--- a/docs/GroupPresentation.pptx
+++ b/docs/GroupPresentation.pptx
@@ -6,15 +6,16 @@
   </p:sldMasterIdLst>
   <p:sldIdLst>
     <p:sldId id="256" r:id="rId2"/>
-    <p:sldId id="257" r:id="rId3"/>
-    <p:sldId id="258" r:id="rId4"/>
-    <p:sldId id="259" r:id="rId5"/>
-    <p:sldId id="265" r:id="rId6"/>
-    <p:sldId id="260" r:id="rId7"/>
-    <p:sldId id="262" r:id="rId8"/>
-    <p:sldId id="261" r:id="rId9"/>
-    <p:sldId id="263" r:id="rId10"/>
-    <p:sldId id="264" r:id="rId11"/>
+    <p:sldId id="266" r:id="rId3"/>
+    <p:sldId id="257" r:id="rId4"/>
+    <p:sldId id="258" r:id="rId5"/>
+    <p:sldId id="259" r:id="rId6"/>
+    <p:sldId id="265" r:id="rId7"/>
+    <p:sldId id="260" r:id="rId8"/>
+    <p:sldId id="262" r:id="rId9"/>
+    <p:sldId id="261" r:id="rId10"/>
+    <p:sldId id="263" r:id="rId11"/>
+    <p:sldId id="264" r:id="rId12"/>
   </p:sldIdLst>
   <p:sldSz cx="12192000" cy="6858000"/>
   <p:notesSz cx="6858000" cy="9144000"/>
@@ -113,6 +114,11 @@
       </a:defRPr>
     </a:lvl9pPr>
   </p:defaultTextStyle>
+  <p:extLst>
+    <p:ext uri="{EFAFB233-063F-42B5-8137-9DF3F51BA10A}">
+      <p15:sldGuideLst xmlns:p15="http://schemas.microsoft.com/office/powerpoint/2012/main"/>
+    </p:ext>
+  </p:extLst>
 </p:presentation>
 </file>
 
@@ -265,7 +271,7 @@
           <a:p>
             <a:fld id="{DD552BEB-5011-AF4E-9E5E-A343627267D6}" type="datetimeFigureOut">
               <a:rPr lang="en-US" smtClean="0"/>
-              <a:t>4/27/24</a:t>
+              <a:t>4/28/24</a:t>
             </a:fld>
             <a:endParaRPr lang="en-US"/>
           </a:p>
@@ -465,7 +471,7 @@
           <a:p>
             <a:fld id="{DD552BEB-5011-AF4E-9E5E-A343627267D6}" type="datetimeFigureOut">
               <a:rPr lang="en-US" smtClean="0"/>
-              <a:t>4/27/24</a:t>
+              <a:t>4/28/24</a:t>
             </a:fld>
             <a:endParaRPr lang="en-US"/>
           </a:p>
@@ -675,7 +681,7 @@
           <a:p>
             <a:fld id="{DD552BEB-5011-AF4E-9E5E-A343627267D6}" type="datetimeFigureOut">
               <a:rPr lang="en-US" smtClean="0"/>
-              <a:t>4/27/24</a:t>
+              <a:t>4/28/24</a:t>
             </a:fld>
             <a:endParaRPr lang="en-US"/>
           </a:p>
@@ -875,7 +881,7 @@
           <a:p>
             <a:fld id="{DD552BEB-5011-AF4E-9E5E-A343627267D6}" type="datetimeFigureOut">
               <a:rPr lang="en-US" smtClean="0"/>
-              <a:t>4/27/24</a:t>
+              <a:t>4/28/24</a:t>
             </a:fld>
             <a:endParaRPr lang="en-US"/>
           </a:p>
@@ -1151,7 +1157,7 @@
           <a:p>
             <a:fld id="{DD552BEB-5011-AF4E-9E5E-A343627267D6}" type="datetimeFigureOut">
               <a:rPr lang="en-US" smtClean="0"/>
-              <a:t>4/27/24</a:t>
+              <a:t>4/28/24</a:t>
             </a:fld>
             <a:endParaRPr lang="en-US"/>
           </a:p>
@@ -1419,7 +1425,7 @@
           <a:p>
             <a:fld id="{DD552BEB-5011-AF4E-9E5E-A343627267D6}" type="datetimeFigureOut">
               <a:rPr lang="en-US" smtClean="0"/>
-              <a:t>4/27/24</a:t>
+              <a:t>4/28/24</a:t>
             </a:fld>
             <a:endParaRPr lang="en-US"/>
           </a:p>
@@ -1834,7 +1840,7 @@
           <a:p>
             <a:fld id="{DD552BEB-5011-AF4E-9E5E-A343627267D6}" type="datetimeFigureOut">
               <a:rPr lang="en-US" smtClean="0"/>
-              <a:t>4/27/24</a:t>
+              <a:t>4/28/24</a:t>
             </a:fld>
             <a:endParaRPr lang="en-US"/>
           </a:p>
@@ -1976,7 +1982,7 @@
           <a:p>
             <a:fld id="{DD552BEB-5011-AF4E-9E5E-A343627267D6}" type="datetimeFigureOut">
               <a:rPr lang="en-US" smtClean="0"/>
-              <a:t>4/27/24</a:t>
+              <a:t>4/28/24</a:t>
             </a:fld>
             <a:endParaRPr lang="en-US"/>
           </a:p>
@@ -2089,7 +2095,7 @@
           <a:p>
             <a:fld id="{DD552BEB-5011-AF4E-9E5E-A343627267D6}" type="datetimeFigureOut">
               <a:rPr lang="en-US" smtClean="0"/>
-              <a:t>4/27/24</a:t>
+              <a:t>4/28/24</a:t>
             </a:fld>
             <a:endParaRPr lang="en-US"/>
           </a:p>
@@ -2402,7 +2408,7 @@
           <a:p>
             <a:fld id="{DD552BEB-5011-AF4E-9E5E-A343627267D6}" type="datetimeFigureOut">
               <a:rPr lang="en-US" smtClean="0"/>
-              <a:t>4/27/24</a:t>
+              <a:t>4/28/24</a:t>
             </a:fld>
             <a:endParaRPr lang="en-US"/>
           </a:p>
@@ -2691,7 +2697,7 @@
           <a:p>
             <a:fld id="{DD552BEB-5011-AF4E-9E5E-A343627267D6}" type="datetimeFigureOut">
               <a:rPr lang="en-US" smtClean="0"/>
-              <a:t>4/27/24</a:t>
+              <a:t>4/28/24</a:t>
             </a:fld>
             <a:endParaRPr lang="en-US"/>
           </a:p>
@@ -2934,7 +2940,7 @@
           <a:p>
             <a:fld id="{DD552BEB-5011-AF4E-9E5E-A343627267D6}" type="datetimeFigureOut">
               <a:rPr lang="en-US" smtClean="0"/>
-              <a:t>4/27/24</a:t>
+              <a:t>4/28/24</a:t>
             </a:fld>
             <a:endParaRPr lang="en-US"/>
           </a:p>
@@ -3439,6 +3445,89 @@
           <p:cNvPr id="2" name="Title 1">
             <a:extLst>
               <a:ext uri="{FF2B5EF4-FFF2-40B4-BE49-F238E27FC236}">
+                <a16:creationId xmlns:a16="http://schemas.microsoft.com/office/drawing/2014/main" id="{FFDC1348-A666-1364-5437-C445452A48ED}"/>
+              </a:ext>
+            </a:extLst>
+          </p:cNvPr>
+          <p:cNvSpPr>
+            <a:spLocks noGrp="1"/>
+          </p:cNvSpPr>
+          <p:nvPr>
+            <p:ph type="title"/>
+          </p:nvPr>
+        </p:nvSpPr>
+        <p:spPr/>
+        <p:txBody>
+          <a:bodyPr/>
+          <a:lstStyle/>
+          <a:p>
+            <a:r>
+              <a:rPr lang="en-US" dirty="0"/>
+              <a:t>Model Enhancement</a:t>
+            </a:r>
+          </a:p>
+        </p:txBody>
+      </p:sp>
+      <p:sp>
+        <p:nvSpPr>
+          <p:cNvPr id="3" name="Text Placeholder 2">
+            <a:extLst>
+              <a:ext uri="{FF2B5EF4-FFF2-40B4-BE49-F238E27FC236}">
+                <a16:creationId xmlns:a16="http://schemas.microsoft.com/office/drawing/2014/main" id="{ACE9550D-1A17-2C3D-999A-CC7A1726E5B1}"/>
+              </a:ext>
+            </a:extLst>
+          </p:cNvPr>
+          <p:cNvSpPr>
+            <a:spLocks noGrp="1"/>
+          </p:cNvSpPr>
+          <p:nvPr>
+            <p:ph type="body" idx="1"/>
+          </p:nvPr>
+        </p:nvSpPr>
+        <p:spPr/>
+        <p:txBody>
+          <a:bodyPr/>
+          <a:lstStyle/>
+          <a:p>
+            <a:endParaRPr lang="en-US"/>
+          </a:p>
+        </p:txBody>
+      </p:sp>
+    </p:spTree>
+    <p:extLst>
+      <p:ext uri="{BB962C8B-B14F-4D97-AF65-F5344CB8AC3E}">
+        <p14:creationId xmlns:p14="http://schemas.microsoft.com/office/powerpoint/2010/main" val="956150018"/>
+      </p:ext>
+    </p:extLst>
+  </p:cSld>
+  <p:clrMapOvr>
+    <a:masterClrMapping/>
+  </p:clrMapOvr>
+</p:sld>
+</file>
+
+<file path=ppt/slides/slide11.xml><?xml version="1.0" encoding="utf-8"?>
+<p:sld xmlns:a="http://schemas.openxmlformats.org/drawingml/2006/main" xmlns:r="http://schemas.openxmlformats.org/officeDocument/2006/relationships" xmlns:p="http://schemas.openxmlformats.org/presentationml/2006/main">
+  <p:cSld>
+    <p:spTree>
+      <p:nvGrpSpPr>
+        <p:cNvPr id="1" name=""/>
+        <p:cNvGrpSpPr/>
+        <p:nvPr/>
+      </p:nvGrpSpPr>
+      <p:grpSpPr>
+        <a:xfrm>
+          <a:off x="0" y="0"/>
+          <a:ext cx="0" cy="0"/>
+          <a:chOff x="0" y="0"/>
+          <a:chExt cx="0" cy="0"/>
+        </a:xfrm>
+      </p:grpSpPr>
+      <p:sp>
+        <p:nvSpPr>
+          <p:cNvPr id="2" name="Title 1">
+            <a:extLst>
+              <a:ext uri="{FF2B5EF4-FFF2-40B4-BE49-F238E27FC236}">
                 <a16:creationId xmlns:a16="http://schemas.microsoft.com/office/drawing/2014/main" id="{6E3D9127-15C6-60EF-8159-BA484CC1B617}"/>
               </a:ext>
             </a:extLst>
@@ -3771,10 +3860,10 @@
       </p:grpSpPr>
       <p:sp>
         <p:nvSpPr>
-          <p:cNvPr id="4" name="Title 3">
-            <a:extLst>
-              <a:ext uri="{FF2B5EF4-FFF2-40B4-BE49-F238E27FC236}">
-                <a16:creationId xmlns:a16="http://schemas.microsoft.com/office/drawing/2014/main" id="{C31DFBE7-F434-33D5-BFDC-08B5A4D7B69B}"/>
+          <p:cNvPr id="2" name="Title 1">
+            <a:extLst>
+              <a:ext uri="{FF2B5EF4-FFF2-40B4-BE49-F238E27FC236}">
+                <a16:creationId xmlns:a16="http://schemas.microsoft.com/office/drawing/2014/main" id="{6E3D9127-15C6-60EF-8159-BA484CC1B617}"/>
               </a:ext>
             </a:extLst>
           </p:cNvPr>
@@ -3792,40 +3881,292 @@
           <a:p>
             <a:r>
               <a:rPr lang="en-US" dirty="0"/>
-              <a:t>Data Understanding</a:t>
-            </a:r>
-          </a:p>
-        </p:txBody>
-      </p:sp>
-      <p:sp>
-        <p:nvSpPr>
-          <p:cNvPr id="5" name="Text Placeholder 4">
-            <a:extLst>
-              <a:ext uri="{FF2B5EF4-FFF2-40B4-BE49-F238E27FC236}">
-                <a16:creationId xmlns:a16="http://schemas.microsoft.com/office/drawing/2014/main" id="{152A7C02-3B9B-DD4D-D680-4FB46F2770B0}"/>
-              </a:ext>
-            </a:extLst>
-          </p:cNvPr>
-          <p:cNvSpPr>
-            <a:spLocks noGrp="1"/>
-          </p:cNvSpPr>
-          <p:nvPr>
-            <p:ph type="body" idx="1"/>
-          </p:nvPr>
-        </p:nvSpPr>
-        <p:spPr/>
-        <p:txBody>
-          <a:bodyPr/>
-          <a:lstStyle/>
-          <a:p>
-            <a:endParaRPr lang="en-US"/>
+              <a:t>Task</a:t>
+            </a:r>
+          </a:p>
+        </p:txBody>
+      </p:sp>
+      <p:sp>
+        <p:nvSpPr>
+          <p:cNvPr id="3" name="Rectangle 2">
+            <a:extLst>
+              <a:ext uri="{FF2B5EF4-FFF2-40B4-BE49-F238E27FC236}">
+                <a16:creationId xmlns:a16="http://schemas.microsoft.com/office/drawing/2014/main" id="{C08F2743-8A3F-B65D-77D5-840E413219C5}"/>
+              </a:ext>
+            </a:extLst>
+          </p:cNvPr>
+          <p:cNvSpPr/>
+          <p:nvPr/>
+        </p:nvSpPr>
+        <p:spPr>
+          <a:xfrm>
+            <a:off x="1250837" y="1941737"/>
+            <a:ext cx="1928812" cy="1914525"/>
+          </a:xfrm>
+          <a:prstGeom prst="rect">
+            <a:avLst/>
+          </a:prstGeom>
+        </p:spPr>
+        <p:style>
+          <a:lnRef idx="2">
+            <a:schemeClr val="accent1">
+              <a:shade val="15000"/>
+            </a:schemeClr>
+          </a:lnRef>
+          <a:fillRef idx="1">
+            <a:schemeClr val="accent1"/>
+          </a:fillRef>
+          <a:effectRef idx="0">
+            <a:schemeClr val="accent1"/>
+          </a:effectRef>
+          <a:fontRef idx="minor">
+            <a:schemeClr val="lt1"/>
+          </a:fontRef>
+        </p:style>
+        <p:txBody>
+          <a:bodyPr rtlCol="0" anchor="ctr"/>
+          <a:lstStyle/>
+          <a:p>
+            <a:pPr algn="ctr"/>
+            <a:r>
+              <a:rPr lang="en-US" dirty="0"/>
+              <a:t>Football / goal</a:t>
+            </a:r>
+          </a:p>
+        </p:txBody>
+      </p:sp>
+      <p:sp>
+        <p:nvSpPr>
+          <p:cNvPr id="4" name="Rectangle 3">
+            <a:extLst>
+              <a:ext uri="{FF2B5EF4-FFF2-40B4-BE49-F238E27FC236}">
+                <a16:creationId xmlns:a16="http://schemas.microsoft.com/office/drawing/2014/main" id="{C981DB0E-2410-6342-1B97-29ACE4E3762B}"/>
+              </a:ext>
+            </a:extLst>
+          </p:cNvPr>
+          <p:cNvSpPr/>
+          <p:nvPr/>
+        </p:nvSpPr>
+        <p:spPr>
+          <a:xfrm>
+            <a:off x="9012351" y="1941737"/>
+            <a:ext cx="1928812" cy="1914525"/>
+          </a:xfrm>
+          <a:prstGeom prst="rect">
+            <a:avLst/>
+          </a:prstGeom>
+        </p:spPr>
+        <p:style>
+          <a:lnRef idx="2">
+            <a:schemeClr val="accent1">
+              <a:shade val="15000"/>
+            </a:schemeClr>
+          </a:lnRef>
+          <a:fillRef idx="1">
+            <a:schemeClr val="accent1"/>
+          </a:fillRef>
+          <a:effectRef idx="0">
+            <a:schemeClr val="accent1"/>
+          </a:effectRef>
+          <a:fontRef idx="minor">
+            <a:schemeClr val="lt1"/>
+          </a:fontRef>
+        </p:style>
+        <p:txBody>
+          <a:bodyPr rtlCol="0" anchor="ctr"/>
+          <a:lstStyle/>
+          <a:p>
+            <a:pPr algn="ctr"/>
+            <a:r>
+              <a:rPr lang="en-US" dirty="0"/>
+              <a:t>Hammer / tool</a:t>
+            </a:r>
+          </a:p>
+        </p:txBody>
+      </p:sp>
+      <p:sp>
+        <p:nvSpPr>
+          <p:cNvPr id="5" name="Rectangle 4">
+            <a:extLst>
+              <a:ext uri="{FF2B5EF4-FFF2-40B4-BE49-F238E27FC236}">
+                <a16:creationId xmlns:a16="http://schemas.microsoft.com/office/drawing/2014/main" id="{F2CD1F5A-B2CD-F560-7B76-E108A4DECF53}"/>
+              </a:ext>
+            </a:extLst>
+          </p:cNvPr>
+          <p:cNvSpPr/>
+          <p:nvPr/>
+        </p:nvSpPr>
+        <p:spPr>
+          <a:xfrm>
+            <a:off x="5131594" y="1941737"/>
+            <a:ext cx="1928812" cy="1914525"/>
+          </a:xfrm>
+          <a:prstGeom prst="rect">
+            <a:avLst/>
+          </a:prstGeom>
+        </p:spPr>
+        <p:style>
+          <a:lnRef idx="2">
+            <a:schemeClr val="accent1">
+              <a:shade val="15000"/>
+            </a:schemeClr>
+          </a:lnRef>
+          <a:fillRef idx="1">
+            <a:schemeClr val="accent1"/>
+          </a:fillRef>
+          <a:effectRef idx="0">
+            <a:schemeClr val="accent1"/>
+          </a:effectRef>
+          <a:fontRef idx="minor">
+            <a:schemeClr val="lt1"/>
+          </a:fontRef>
+        </p:style>
+        <p:txBody>
+          <a:bodyPr rtlCol="0" anchor="ctr"/>
+          <a:lstStyle/>
+          <a:p>
+            <a:pPr algn="ctr"/>
+            <a:r>
+              <a:rPr lang="en-US" dirty="0"/>
+              <a:t>lightbulb</a:t>
+            </a:r>
+          </a:p>
+        </p:txBody>
+      </p:sp>
+      <p:sp>
+        <p:nvSpPr>
+          <p:cNvPr id="9" name="TextBox 8">
+            <a:extLst>
+              <a:ext uri="{FF2B5EF4-FFF2-40B4-BE49-F238E27FC236}">
+                <a16:creationId xmlns:a16="http://schemas.microsoft.com/office/drawing/2014/main" id="{E47A42C8-AC91-09C2-976D-47FBE9E08EF7}"/>
+              </a:ext>
+            </a:extLst>
+          </p:cNvPr>
+          <p:cNvSpPr txBox="1"/>
+          <p:nvPr/>
+        </p:nvSpPr>
+        <p:spPr>
+          <a:xfrm>
+            <a:off x="664029" y="4245428"/>
+            <a:ext cx="3102428" cy="646331"/>
+          </a:xfrm>
+          <a:prstGeom prst="rect">
+            <a:avLst/>
+          </a:prstGeom>
+          <a:noFill/>
+          <a:ln>
+            <a:solidFill>
+              <a:schemeClr val="tx1"/>
+            </a:solidFill>
+          </a:ln>
+        </p:spPr>
+        <p:txBody>
+          <a:bodyPr wrap="square" rtlCol="0">
+            <a:spAutoFit/>
+          </a:bodyPr>
+          <a:lstStyle/>
+          <a:p>
+            <a:pPr algn="ctr"/>
+            <a:r>
+              <a:rPr lang="en-US" dirty="0"/>
+              <a:t>Valuable Insights into </a:t>
+            </a:r>
+          </a:p>
+          <a:p>
+            <a:pPr algn="ctr"/>
+            <a:r>
+              <a:rPr lang="en-US" dirty="0"/>
+              <a:t>Future Success</a:t>
+            </a:r>
+          </a:p>
+        </p:txBody>
+      </p:sp>
+      <p:sp>
+        <p:nvSpPr>
+          <p:cNvPr id="10" name="TextBox 9">
+            <a:extLst>
+              <a:ext uri="{FF2B5EF4-FFF2-40B4-BE49-F238E27FC236}">
+                <a16:creationId xmlns:a16="http://schemas.microsoft.com/office/drawing/2014/main" id="{2B900E16-D530-7F09-237A-22D3DE9EDC63}"/>
+              </a:ext>
+            </a:extLst>
+          </p:cNvPr>
+          <p:cNvSpPr txBox="1"/>
+          <p:nvPr/>
+        </p:nvSpPr>
+        <p:spPr>
+          <a:xfrm>
+            <a:off x="4544786" y="4245428"/>
+            <a:ext cx="3102428" cy="369332"/>
+          </a:xfrm>
+          <a:prstGeom prst="rect">
+            <a:avLst/>
+          </a:prstGeom>
+          <a:noFill/>
+          <a:ln>
+            <a:solidFill>
+              <a:schemeClr val="tx1"/>
+            </a:solidFill>
+          </a:ln>
+        </p:spPr>
+        <p:txBody>
+          <a:bodyPr wrap="square" rtlCol="0">
+            <a:spAutoFit/>
+          </a:bodyPr>
+          <a:lstStyle/>
+          <a:p>
+            <a:pPr algn="ctr"/>
+            <a:r>
+              <a:rPr lang="en-US" dirty="0"/>
+              <a:t>Monitor Brand Perception</a:t>
+            </a:r>
+          </a:p>
+        </p:txBody>
+      </p:sp>
+      <p:sp>
+        <p:nvSpPr>
+          <p:cNvPr id="11" name="TextBox 10">
+            <a:extLst>
+              <a:ext uri="{FF2B5EF4-FFF2-40B4-BE49-F238E27FC236}">
+                <a16:creationId xmlns:a16="http://schemas.microsoft.com/office/drawing/2014/main" id="{6BCC6220-6F4A-A22D-68C7-5741323F9E1C}"/>
+              </a:ext>
+            </a:extLst>
+          </p:cNvPr>
+          <p:cNvSpPr txBox="1"/>
+          <p:nvPr/>
+        </p:nvSpPr>
+        <p:spPr>
+          <a:xfrm>
+            <a:off x="8425543" y="4245428"/>
+            <a:ext cx="3102428" cy="369332"/>
+          </a:xfrm>
+          <a:prstGeom prst="rect">
+            <a:avLst/>
+          </a:prstGeom>
+          <a:noFill/>
+          <a:ln>
+            <a:solidFill>
+              <a:schemeClr val="tx1"/>
+            </a:solidFill>
+          </a:ln>
+        </p:spPr>
+        <p:txBody>
+          <a:bodyPr wrap="square" rtlCol="0">
+            <a:spAutoFit/>
+          </a:bodyPr>
+          <a:lstStyle/>
+          <a:p>
+            <a:pPr algn="ctr"/>
+            <a:r>
+              <a:rPr lang="en-US" dirty="0"/>
+              <a:t>Instagram Data</a:t>
+            </a:r>
           </a:p>
         </p:txBody>
       </p:sp>
     </p:spTree>
     <p:extLst>
       <p:ext uri="{BB962C8B-B14F-4D97-AF65-F5344CB8AC3E}">
-        <p14:creationId xmlns:p14="http://schemas.microsoft.com/office/powerpoint/2010/main" val="2520925053"/>
+        <p14:creationId xmlns:p14="http://schemas.microsoft.com/office/powerpoint/2010/main" val="545671002"/>
       </p:ext>
     </p:extLst>
   </p:cSld>
@@ -3854,10 +4195,10 @@
       </p:grpSpPr>
       <p:sp>
         <p:nvSpPr>
-          <p:cNvPr id="2" name="Title 1">
-            <a:extLst>
-              <a:ext uri="{FF2B5EF4-FFF2-40B4-BE49-F238E27FC236}">
-                <a16:creationId xmlns:a16="http://schemas.microsoft.com/office/drawing/2014/main" id="{FFDC1348-A666-1364-5437-C445452A48ED}"/>
+          <p:cNvPr id="4" name="Title 3">
+            <a:extLst>
+              <a:ext uri="{FF2B5EF4-FFF2-40B4-BE49-F238E27FC236}">
+                <a16:creationId xmlns:a16="http://schemas.microsoft.com/office/drawing/2014/main" id="{C31DFBE7-F434-33D5-BFDC-08B5A4D7B69B}"/>
               </a:ext>
             </a:extLst>
           </p:cNvPr>
@@ -3875,17 +4216,17 @@
           <a:p>
             <a:r>
               <a:rPr lang="en-US" dirty="0"/>
-              <a:t>Model Approach</a:t>
-            </a:r>
-          </a:p>
-        </p:txBody>
-      </p:sp>
-      <p:sp>
-        <p:nvSpPr>
-          <p:cNvPr id="3" name="Text Placeholder 2">
-            <a:extLst>
-              <a:ext uri="{FF2B5EF4-FFF2-40B4-BE49-F238E27FC236}">
-                <a16:creationId xmlns:a16="http://schemas.microsoft.com/office/drawing/2014/main" id="{ACE9550D-1A17-2C3D-999A-CC7A1726E5B1}"/>
+              <a:t>Data Understanding</a:t>
+            </a:r>
+          </a:p>
+        </p:txBody>
+      </p:sp>
+      <p:sp>
+        <p:nvSpPr>
+          <p:cNvPr id="5" name="Text Placeholder 4">
+            <a:extLst>
+              <a:ext uri="{FF2B5EF4-FFF2-40B4-BE49-F238E27FC236}">
+                <a16:creationId xmlns:a16="http://schemas.microsoft.com/office/drawing/2014/main" id="{152A7C02-3B9B-DD4D-D680-4FB46F2770B0}"/>
               </a:ext>
             </a:extLst>
           </p:cNvPr>
@@ -3908,7 +4249,7 @@
     </p:spTree>
     <p:extLst>
       <p:ext uri="{BB962C8B-B14F-4D97-AF65-F5344CB8AC3E}">
-        <p14:creationId xmlns:p14="http://schemas.microsoft.com/office/powerpoint/2010/main" val="3546789680"/>
+        <p14:creationId xmlns:p14="http://schemas.microsoft.com/office/powerpoint/2010/main" val="2520925053"/>
       </p:ext>
     </p:extLst>
   </p:cSld>
@@ -3940,7 +4281,7 @@
           <p:cNvPr id="2" name="Title 1">
             <a:extLst>
               <a:ext uri="{FF2B5EF4-FFF2-40B4-BE49-F238E27FC236}">
-                <a16:creationId xmlns:a16="http://schemas.microsoft.com/office/drawing/2014/main" id="{6E3D9127-15C6-60EF-8159-BA484CC1B617}"/>
+                <a16:creationId xmlns:a16="http://schemas.microsoft.com/office/drawing/2014/main" id="{FFDC1348-A666-1364-5437-C445452A48ED}"/>
               </a:ext>
             </a:extLst>
           </p:cNvPr>
@@ -3958,25 +4299,25 @@
           <a:p>
             <a:r>
               <a:rPr lang="en-US" dirty="0"/>
-              <a:t>Model Selection</a:t>
-            </a:r>
-          </a:p>
-        </p:txBody>
-      </p:sp>
-      <p:sp>
-        <p:nvSpPr>
-          <p:cNvPr id="12" name="Content Placeholder 11">
-            <a:extLst>
-              <a:ext uri="{FF2B5EF4-FFF2-40B4-BE49-F238E27FC236}">
-                <a16:creationId xmlns:a16="http://schemas.microsoft.com/office/drawing/2014/main" id="{12DE5DF5-CFB2-9D21-166E-7777AF7B2089}"/>
-              </a:ext>
-            </a:extLst>
-          </p:cNvPr>
-          <p:cNvSpPr>
-            <a:spLocks noGrp="1"/>
-          </p:cNvSpPr>
-          <p:nvPr>
-            <p:ph idx="1"/>
+              <a:t>Model Approach</a:t>
+            </a:r>
+          </a:p>
+        </p:txBody>
+      </p:sp>
+      <p:sp>
+        <p:nvSpPr>
+          <p:cNvPr id="3" name="Text Placeholder 2">
+            <a:extLst>
+              <a:ext uri="{FF2B5EF4-FFF2-40B4-BE49-F238E27FC236}">
+                <a16:creationId xmlns:a16="http://schemas.microsoft.com/office/drawing/2014/main" id="{ACE9550D-1A17-2C3D-999A-CC7A1726E5B1}"/>
+              </a:ext>
+            </a:extLst>
+          </p:cNvPr>
+          <p:cNvSpPr>
+            <a:spLocks noGrp="1"/>
+          </p:cNvSpPr>
+          <p:nvPr>
+            <p:ph type="body" idx="1"/>
           </p:nvPr>
         </p:nvSpPr>
         <p:spPr/>
@@ -3984,17 +4325,14 @@
           <a:bodyPr/>
           <a:lstStyle/>
           <a:p>
-            <a:r>
-              <a:rPr lang="en-US" dirty="0"/>
-              <a:t>A slide with buzz words of anomaly detection techniques that we can quickly skip and come to a clear explanation why we chose our models</a:t>
-            </a:r>
+            <a:endParaRPr lang="en-US"/>
           </a:p>
         </p:txBody>
       </p:sp>
     </p:spTree>
     <p:extLst>
       <p:ext uri="{BB962C8B-B14F-4D97-AF65-F5344CB8AC3E}">
-        <p14:creationId xmlns:p14="http://schemas.microsoft.com/office/powerpoint/2010/main" val="816213782"/>
+        <p14:creationId xmlns:p14="http://schemas.microsoft.com/office/powerpoint/2010/main" val="3546789680"/>
       </p:ext>
     </p:extLst>
   </p:cSld>
@@ -4051,261 +4389,28 @@
       </p:sp>
       <p:sp>
         <p:nvSpPr>
-          <p:cNvPr id="3" name="Rectangle 2">
-            <a:extLst>
-              <a:ext uri="{FF2B5EF4-FFF2-40B4-BE49-F238E27FC236}">
-                <a16:creationId xmlns:a16="http://schemas.microsoft.com/office/drawing/2014/main" id="{C08F2743-8A3F-B65D-77D5-840E413219C5}"/>
-              </a:ext>
-            </a:extLst>
-          </p:cNvPr>
-          <p:cNvSpPr/>
-          <p:nvPr/>
-        </p:nvSpPr>
-        <p:spPr>
-          <a:xfrm>
-            <a:off x="1250837" y="1941737"/>
-            <a:ext cx="1928812" cy="1914525"/>
-          </a:xfrm>
-          <a:prstGeom prst="rect">
-            <a:avLst/>
-          </a:prstGeom>
-        </p:spPr>
-        <p:style>
-          <a:lnRef idx="2">
-            <a:schemeClr val="accent1">
-              <a:shade val="15000"/>
-            </a:schemeClr>
-          </a:lnRef>
-          <a:fillRef idx="1">
-            <a:schemeClr val="accent1"/>
-          </a:fillRef>
-          <a:effectRef idx="0">
-            <a:schemeClr val="accent1"/>
-          </a:effectRef>
-          <a:fontRef idx="minor">
-            <a:schemeClr val="lt1"/>
-          </a:fontRef>
-        </p:style>
-        <p:txBody>
-          <a:bodyPr rtlCol="0" anchor="ctr"/>
-          <a:lstStyle/>
-          <a:p>
-            <a:pPr algn="ctr"/>
-            <a:endParaRPr lang="en-US"/>
-          </a:p>
-        </p:txBody>
-      </p:sp>
-      <p:sp>
-        <p:nvSpPr>
-          <p:cNvPr id="4" name="Rectangle 3">
-            <a:extLst>
-              <a:ext uri="{FF2B5EF4-FFF2-40B4-BE49-F238E27FC236}">
-                <a16:creationId xmlns:a16="http://schemas.microsoft.com/office/drawing/2014/main" id="{C981DB0E-2410-6342-1B97-29ACE4E3762B}"/>
-              </a:ext>
-            </a:extLst>
-          </p:cNvPr>
-          <p:cNvSpPr/>
-          <p:nvPr/>
-        </p:nvSpPr>
-        <p:spPr>
-          <a:xfrm>
-            <a:off x="9012351" y="1941737"/>
-            <a:ext cx="1928812" cy="1914525"/>
-          </a:xfrm>
-          <a:prstGeom prst="rect">
-            <a:avLst/>
-          </a:prstGeom>
-        </p:spPr>
-        <p:style>
-          <a:lnRef idx="2">
-            <a:schemeClr val="accent1">
-              <a:shade val="15000"/>
-            </a:schemeClr>
-          </a:lnRef>
-          <a:fillRef idx="1">
-            <a:schemeClr val="accent1"/>
-          </a:fillRef>
-          <a:effectRef idx="0">
-            <a:schemeClr val="accent1"/>
-          </a:effectRef>
-          <a:fontRef idx="minor">
-            <a:schemeClr val="lt1"/>
-          </a:fontRef>
-        </p:style>
-        <p:txBody>
-          <a:bodyPr rtlCol="0" anchor="ctr"/>
-          <a:lstStyle/>
-          <a:p>
-            <a:pPr algn="ctr"/>
-            <a:endParaRPr lang="en-US"/>
-          </a:p>
-        </p:txBody>
-      </p:sp>
-      <p:sp>
-        <p:nvSpPr>
-          <p:cNvPr id="5" name="Rectangle 4">
-            <a:extLst>
-              <a:ext uri="{FF2B5EF4-FFF2-40B4-BE49-F238E27FC236}">
-                <a16:creationId xmlns:a16="http://schemas.microsoft.com/office/drawing/2014/main" id="{F2CD1F5A-B2CD-F560-7B76-E108A4DECF53}"/>
-              </a:ext>
-            </a:extLst>
-          </p:cNvPr>
-          <p:cNvSpPr/>
-          <p:nvPr/>
-        </p:nvSpPr>
-        <p:spPr>
-          <a:xfrm>
-            <a:off x="5131594" y="1941737"/>
-            <a:ext cx="1928812" cy="1914525"/>
-          </a:xfrm>
-          <a:prstGeom prst="rect">
-            <a:avLst/>
-          </a:prstGeom>
-        </p:spPr>
-        <p:style>
-          <a:lnRef idx="2">
-            <a:schemeClr val="accent1">
-              <a:shade val="15000"/>
-            </a:schemeClr>
-          </a:lnRef>
-          <a:fillRef idx="1">
-            <a:schemeClr val="accent1"/>
-          </a:fillRef>
-          <a:effectRef idx="0">
-            <a:schemeClr val="accent1"/>
-          </a:effectRef>
-          <a:fontRef idx="minor">
-            <a:schemeClr val="lt1"/>
-          </a:fontRef>
-        </p:style>
-        <p:txBody>
-          <a:bodyPr rtlCol="0" anchor="ctr"/>
-          <a:lstStyle/>
-          <a:p>
-            <a:pPr algn="ctr"/>
-            <a:endParaRPr lang="en-US"/>
-          </a:p>
-        </p:txBody>
-      </p:sp>
-      <p:sp>
-        <p:nvSpPr>
-          <p:cNvPr id="9" name="TextBox 8">
-            <a:extLst>
-              <a:ext uri="{FF2B5EF4-FFF2-40B4-BE49-F238E27FC236}">
-                <a16:creationId xmlns:a16="http://schemas.microsoft.com/office/drawing/2014/main" id="{E47A42C8-AC91-09C2-976D-47FBE9E08EF7}"/>
-              </a:ext>
-            </a:extLst>
-          </p:cNvPr>
-          <p:cNvSpPr txBox="1"/>
-          <p:nvPr/>
-        </p:nvSpPr>
-        <p:spPr>
-          <a:xfrm>
-            <a:off x="664029" y="4245428"/>
-            <a:ext cx="3102428" cy="369332"/>
-          </a:xfrm>
-          <a:prstGeom prst="rect">
-            <a:avLst/>
-          </a:prstGeom>
-          <a:noFill/>
-          <a:ln>
-            <a:solidFill>
-              <a:schemeClr val="tx1"/>
-            </a:solidFill>
-          </a:ln>
-        </p:spPr>
-        <p:txBody>
-          <a:bodyPr wrap="square" rtlCol="0">
-            <a:spAutoFit/>
-          </a:bodyPr>
-          <a:lstStyle/>
-          <a:p>
-            <a:pPr algn="ctr"/>
+          <p:cNvPr id="12" name="Content Placeholder 11">
+            <a:extLst>
+              <a:ext uri="{FF2B5EF4-FFF2-40B4-BE49-F238E27FC236}">
+                <a16:creationId xmlns:a16="http://schemas.microsoft.com/office/drawing/2014/main" id="{12DE5DF5-CFB2-9D21-166E-7777AF7B2089}"/>
+              </a:ext>
+            </a:extLst>
+          </p:cNvPr>
+          <p:cNvSpPr>
+            <a:spLocks noGrp="1"/>
+          </p:cNvSpPr>
+          <p:nvPr>
+            <p:ph idx="1"/>
+          </p:nvPr>
+        </p:nvSpPr>
+        <p:spPr/>
+        <p:txBody>
+          <a:bodyPr/>
+          <a:lstStyle/>
+          <a:p>
             <a:r>
               <a:rPr lang="en-US" dirty="0"/>
-              <a:t>Baseline</a:t>
-            </a:r>
-          </a:p>
-        </p:txBody>
-      </p:sp>
-      <p:sp>
-        <p:nvSpPr>
-          <p:cNvPr id="10" name="TextBox 9">
-            <a:extLst>
-              <a:ext uri="{FF2B5EF4-FFF2-40B4-BE49-F238E27FC236}">
-                <a16:creationId xmlns:a16="http://schemas.microsoft.com/office/drawing/2014/main" id="{2B900E16-D530-7F09-237A-22D3DE9EDC63}"/>
-              </a:ext>
-            </a:extLst>
-          </p:cNvPr>
-          <p:cNvSpPr txBox="1"/>
-          <p:nvPr/>
-        </p:nvSpPr>
-        <p:spPr>
-          <a:xfrm>
-            <a:off x="4544786" y="4245428"/>
-            <a:ext cx="3102428" cy="369332"/>
-          </a:xfrm>
-          <a:prstGeom prst="rect">
-            <a:avLst/>
-          </a:prstGeom>
-          <a:noFill/>
-          <a:ln>
-            <a:solidFill>
-              <a:schemeClr val="tx1"/>
-            </a:solidFill>
-          </a:ln>
-        </p:spPr>
-        <p:txBody>
-          <a:bodyPr wrap="square" rtlCol="0">
-            <a:spAutoFit/>
-          </a:bodyPr>
-          <a:lstStyle/>
-          <a:p>
-            <a:pPr algn="ctr"/>
-            <a:r>
-              <a:rPr lang="en-US" dirty="0"/>
-              <a:t>K-Means w/ Surrogate</a:t>
-            </a:r>
-          </a:p>
-        </p:txBody>
-      </p:sp>
-      <p:sp>
-        <p:nvSpPr>
-          <p:cNvPr id="11" name="TextBox 10">
-            <a:extLst>
-              <a:ext uri="{FF2B5EF4-FFF2-40B4-BE49-F238E27FC236}">
-                <a16:creationId xmlns:a16="http://schemas.microsoft.com/office/drawing/2014/main" id="{6BCC6220-6F4A-A22D-68C7-5741323F9E1C}"/>
-              </a:ext>
-            </a:extLst>
-          </p:cNvPr>
-          <p:cNvSpPr txBox="1"/>
-          <p:nvPr/>
-        </p:nvSpPr>
-        <p:spPr>
-          <a:xfrm>
-            <a:off x="8425543" y="4245428"/>
-            <a:ext cx="3102428" cy="369332"/>
-          </a:xfrm>
-          <a:prstGeom prst="rect">
-            <a:avLst/>
-          </a:prstGeom>
-          <a:noFill/>
-          <a:ln>
-            <a:solidFill>
-              <a:schemeClr val="tx1"/>
-            </a:solidFill>
-          </a:ln>
-        </p:spPr>
-        <p:txBody>
-          <a:bodyPr wrap="square" rtlCol="0">
-            <a:spAutoFit/>
-          </a:bodyPr>
-          <a:lstStyle/>
-          <a:p>
-            <a:pPr algn="ctr"/>
-            <a:r>
-              <a:rPr lang="en-US" dirty="0"/>
-              <a:t>God’s Plan</a:t>
+              <a:t>A slide with buzz words of anomaly detection techniques that we can quickly skip and come to a clear explanation why we chose our models</a:t>
             </a:r>
           </a:p>
         </p:txBody>
@@ -4313,7 +4418,7 @@
     </p:spTree>
     <p:extLst>
       <p:ext uri="{BB962C8B-B14F-4D97-AF65-F5344CB8AC3E}">
-        <p14:creationId xmlns:p14="http://schemas.microsoft.com/office/powerpoint/2010/main" val="304615339"/>
+        <p14:creationId xmlns:p14="http://schemas.microsoft.com/office/powerpoint/2010/main" val="816213782"/>
       </p:ext>
     </p:extLst>
   </p:cSld>
@@ -4363,17 +4468,17 @@
           <a:p>
             <a:r>
               <a:rPr lang="en-US" dirty="0"/>
-              <a:t>Baseline Model</a:t>
-            </a:r>
-          </a:p>
-        </p:txBody>
-      </p:sp>
-      <p:sp>
-        <p:nvSpPr>
-          <p:cNvPr id="6" name="Rectangle 5">
-            <a:extLst>
-              <a:ext uri="{FF2B5EF4-FFF2-40B4-BE49-F238E27FC236}">
-                <a16:creationId xmlns:a16="http://schemas.microsoft.com/office/drawing/2014/main" id="{A574E311-23BE-EEFB-1397-8935E9E34502}"/>
+              <a:t>Model Selection</a:t>
+            </a:r>
+          </a:p>
+        </p:txBody>
+      </p:sp>
+      <p:sp>
+        <p:nvSpPr>
+          <p:cNvPr id="3" name="Rectangle 2">
+            <a:extLst>
+              <a:ext uri="{FF2B5EF4-FFF2-40B4-BE49-F238E27FC236}">
+                <a16:creationId xmlns:a16="http://schemas.microsoft.com/office/drawing/2014/main" id="{C08F2743-8A3F-B65D-77D5-840E413219C5}"/>
               </a:ext>
             </a:extLst>
           </p:cNvPr>
@@ -4382,7 +4487,7 @@
         </p:nvSpPr>
         <p:spPr>
           <a:xfrm>
-            <a:off x="838200" y="2614582"/>
+            <a:off x="1250837" y="1941737"/>
             <a:ext cx="1928812" cy="1914525"/>
           </a:xfrm>
           <a:prstGeom prst="rect">
@@ -4416,10 +4521,102 @@
       </p:sp>
       <p:sp>
         <p:nvSpPr>
-          <p:cNvPr id="8" name="TextBox 7">
-            <a:extLst>
-              <a:ext uri="{FF2B5EF4-FFF2-40B4-BE49-F238E27FC236}">
-                <a16:creationId xmlns:a16="http://schemas.microsoft.com/office/drawing/2014/main" id="{1B991D48-05F7-EA8E-EFF0-23B3533DE51D}"/>
+          <p:cNvPr id="4" name="Rectangle 3">
+            <a:extLst>
+              <a:ext uri="{FF2B5EF4-FFF2-40B4-BE49-F238E27FC236}">
+                <a16:creationId xmlns:a16="http://schemas.microsoft.com/office/drawing/2014/main" id="{C981DB0E-2410-6342-1B97-29ACE4E3762B}"/>
+              </a:ext>
+            </a:extLst>
+          </p:cNvPr>
+          <p:cNvSpPr/>
+          <p:nvPr/>
+        </p:nvSpPr>
+        <p:spPr>
+          <a:xfrm>
+            <a:off x="9012351" y="1941737"/>
+            <a:ext cx="1928812" cy="1914525"/>
+          </a:xfrm>
+          <a:prstGeom prst="rect">
+            <a:avLst/>
+          </a:prstGeom>
+        </p:spPr>
+        <p:style>
+          <a:lnRef idx="2">
+            <a:schemeClr val="accent1">
+              <a:shade val="15000"/>
+            </a:schemeClr>
+          </a:lnRef>
+          <a:fillRef idx="1">
+            <a:schemeClr val="accent1"/>
+          </a:fillRef>
+          <a:effectRef idx="0">
+            <a:schemeClr val="accent1"/>
+          </a:effectRef>
+          <a:fontRef idx="minor">
+            <a:schemeClr val="lt1"/>
+          </a:fontRef>
+        </p:style>
+        <p:txBody>
+          <a:bodyPr rtlCol="0" anchor="ctr"/>
+          <a:lstStyle/>
+          <a:p>
+            <a:pPr algn="ctr"/>
+            <a:endParaRPr lang="en-US"/>
+          </a:p>
+        </p:txBody>
+      </p:sp>
+      <p:sp>
+        <p:nvSpPr>
+          <p:cNvPr id="5" name="Rectangle 4">
+            <a:extLst>
+              <a:ext uri="{FF2B5EF4-FFF2-40B4-BE49-F238E27FC236}">
+                <a16:creationId xmlns:a16="http://schemas.microsoft.com/office/drawing/2014/main" id="{F2CD1F5A-B2CD-F560-7B76-E108A4DECF53}"/>
+              </a:ext>
+            </a:extLst>
+          </p:cNvPr>
+          <p:cNvSpPr/>
+          <p:nvPr/>
+        </p:nvSpPr>
+        <p:spPr>
+          <a:xfrm>
+            <a:off x="5131594" y="1941737"/>
+            <a:ext cx="1928812" cy="1914525"/>
+          </a:xfrm>
+          <a:prstGeom prst="rect">
+            <a:avLst/>
+          </a:prstGeom>
+        </p:spPr>
+        <p:style>
+          <a:lnRef idx="2">
+            <a:schemeClr val="accent1">
+              <a:shade val="15000"/>
+            </a:schemeClr>
+          </a:lnRef>
+          <a:fillRef idx="1">
+            <a:schemeClr val="accent1"/>
+          </a:fillRef>
+          <a:effectRef idx="0">
+            <a:schemeClr val="accent1"/>
+          </a:effectRef>
+          <a:fontRef idx="minor">
+            <a:schemeClr val="lt1"/>
+          </a:fontRef>
+        </p:style>
+        <p:txBody>
+          <a:bodyPr rtlCol="0" anchor="ctr"/>
+          <a:lstStyle/>
+          <a:p>
+            <a:pPr algn="ctr"/>
+            <a:endParaRPr lang="en-US"/>
+          </a:p>
+        </p:txBody>
+      </p:sp>
+      <p:sp>
+        <p:nvSpPr>
+          <p:cNvPr id="9" name="TextBox 8">
+            <a:extLst>
+              <a:ext uri="{FF2B5EF4-FFF2-40B4-BE49-F238E27FC236}">
+                <a16:creationId xmlns:a16="http://schemas.microsoft.com/office/drawing/2014/main" id="{E47A42C8-AC91-09C2-976D-47FBE9E08EF7}"/>
               </a:ext>
             </a:extLst>
           </p:cNvPr>
@@ -4428,8 +4625,8 @@
         </p:nvSpPr>
         <p:spPr>
           <a:xfrm>
-            <a:off x="3374571" y="1690688"/>
-            <a:ext cx="7837713" cy="4524315"/>
+            <a:off x="664029" y="4245428"/>
+            <a:ext cx="3102428" cy="369332"/>
           </a:xfrm>
           <a:prstGeom prst="rect">
             <a:avLst/>
@@ -4447,67 +4644,100 @@
           </a:bodyPr>
           <a:lstStyle/>
           <a:p>
+            <a:pPr algn="ctr"/>
             <a:r>
               <a:rPr lang="en-US" dirty="0"/>
-              <a:t>Provide a </a:t>
-            </a:r>
-            <a:r>
-              <a:rPr lang="en-US" b="1" dirty="0"/>
-              <a:t>compelling justification</a:t>
-            </a:r>
+              <a:t>Baseline</a:t>
+            </a:r>
+          </a:p>
+        </p:txBody>
+      </p:sp>
+      <p:sp>
+        <p:nvSpPr>
+          <p:cNvPr id="10" name="TextBox 9">
+            <a:extLst>
+              <a:ext uri="{FF2B5EF4-FFF2-40B4-BE49-F238E27FC236}">
+                <a16:creationId xmlns:a16="http://schemas.microsoft.com/office/drawing/2014/main" id="{2B900E16-D530-7F09-237A-22D3DE9EDC63}"/>
+              </a:ext>
+            </a:extLst>
+          </p:cNvPr>
+          <p:cNvSpPr txBox="1"/>
+          <p:nvPr/>
+        </p:nvSpPr>
+        <p:spPr>
+          <a:xfrm>
+            <a:off x="4544786" y="4245428"/>
+            <a:ext cx="3102428" cy="369332"/>
+          </a:xfrm>
+          <a:prstGeom prst="rect">
+            <a:avLst/>
+          </a:prstGeom>
+          <a:noFill/>
+          <a:ln>
+            <a:solidFill>
+              <a:schemeClr val="tx1"/>
+            </a:solidFill>
+          </a:ln>
+        </p:spPr>
+        <p:txBody>
+          <a:bodyPr wrap="square" rtlCol="0">
+            <a:spAutoFit/>
+          </a:bodyPr>
+          <a:lstStyle/>
+          <a:p>
+            <a:pPr algn="ctr"/>
             <a:r>
               <a:rPr lang="en-US" dirty="0"/>
-              <a:t> for each model selected, emphasizing how they align with the objectives of the challenge. </a:t>
-            </a:r>
-          </a:p>
-          <a:p>
-            <a:endParaRPr lang="en-US" dirty="0"/>
-          </a:p>
-          <a:p>
-            <a:endParaRPr lang="en-US" dirty="0"/>
-          </a:p>
-          <a:p>
-            <a:endParaRPr lang="en-US" dirty="0"/>
-          </a:p>
-          <a:p>
-            <a:endParaRPr lang="en-US" dirty="0"/>
-          </a:p>
-          <a:p>
-            <a:endParaRPr lang="en-US" dirty="0"/>
-          </a:p>
-          <a:p>
-            <a:endParaRPr lang="en-US" dirty="0"/>
-          </a:p>
-          <a:p>
-            <a:endParaRPr lang="en-US" dirty="0"/>
-          </a:p>
-          <a:p>
-            <a:endParaRPr lang="en-US" dirty="0"/>
-          </a:p>
-          <a:p>
-            <a:endParaRPr lang="en-US" dirty="0"/>
-          </a:p>
-          <a:p>
-            <a:endParaRPr lang="en-US" dirty="0"/>
-          </a:p>
-          <a:p>
-            <a:endParaRPr lang="en-US" dirty="0"/>
-          </a:p>
-          <a:p>
-            <a:endParaRPr lang="en-US" dirty="0"/>
-          </a:p>
-          <a:p>
-            <a:endParaRPr lang="en-US" dirty="0"/>
-          </a:p>
-          <a:p>
-            <a:endParaRPr lang="en-US" dirty="0"/>
+              <a:t>K-Means w/ Surrogate</a:t>
+            </a:r>
+          </a:p>
+        </p:txBody>
+      </p:sp>
+      <p:sp>
+        <p:nvSpPr>
+          <p:cNvPr id="11" name="TextBox 10">
+            <a:extLst>
+              <a:ext uri="{FF2B5EF4-FFF2-40B4-BE49-F238E27FC236}">
+                <a16:creationId xmlns:a16="http://schemas.microsoft.com/office/drawing/2014/main" id="{6BCC6220-6F4A-A22D-68C7-5741323F9E1C}"/>
+              </a:ext>
+            </a:extLst>
+          </p:cNvPr>
+          <p:cNvSpPr txBox="1"/>
+          <p:nvPr/>
+        </p:nvSpPr>
+        <p:spPr>
+          <a:xfrm>
+            <a:off x="8425543" y="4245428"/>
+            <a:ext cx="3102428" cy="369332"/>
+          </a:xfrm>
+          <a:prstGeom prst="rect">
+            <a:avLst/>
+          </a:prstGeom>
+          <a:noFill/>
+          <a:ln>
+            <a:solidFill>
+              <a:schemeClr val="tx1"/>
+            </a:solidFill>
+          </a:ln>
+        </p:spPr>
+        <p:txBody>
+          <a:bodyPr wrap="square" rtlCol="0">
+            <a:spAutoFit/>
+          </a:bodyPr>
+          <a:lstStyle/>
+          <a:p>
+            <a:pPr algn="ctr"/>
+            <a:r>
+              <a:rPr lang="en-US" dirty="0"/>
+              <a:t>God’s Plan</a:t>
+            </a:r>
           </a:p>
         </p:txBody>
       </p:sp>
     </p:spTree>
     <p:extLst>
       <p:ext uri="{BB962C8B-B14F-4D97-AF65-F5344CB8AC3E}">
-        <p14:creationId xmlns:p14="http://schemas.microsoft.com/office/powerpoint/2010/main" val="2356170879"/>
+        <p14:creationId xmlns:p14="http://schemas.microsoft.com/office/powerpoint/2010/main" val="304615339"/>
       </p:ext>
     </p:extLst>
   </p:cSld>
@@ -4557,7 +4787,7 @@
           <a:p>
             <a:r>
               <a:rPr lang="en-US" dirty="0"/>
-              <a:t>2nd Model</a:t>
+              <a:t>Baseline Model</a:t>
             </a:r>
           </a:p>
         </p:txBody>
@@ -4701,7 +4931,7 @@
     </p:spTree>
     <p:extLst>
       <p:ext uri="{BB962C8B-B14F-4D97-AF65-F5344CB8AC3E}">
-        <p14:creationId xmlns:p14="http://schemas.microsoft.com/office/powerpoint/2010/main" val="3549092333"/>
+        <p14:creationId xmlns:p14="http://schemas.microsoft.com/office/powerpoint/2010/main" val="2356170879"/>
       </p:ext>
     </p:extLst>
   </p:cSld>
@@ -4751,7 +4981,7 @@
           <a:p>
             <a:r>
               <a:rPr lang="en-US" dirty="0"/>
-              <a:t>3rd Model</a:t>
+              <a:t>2nd Model</a:t>
             </a:r>
           </a:p>
         </p:txBody>
@@ -4895,7 +5125,7 @@
     </p:spTree>
     <p:extLst>
       <p:ext uri="{BB962C8B-B14F-4D97-AF65-F5344CB8AC3E}">
-        <p14:creationId xmlns:p14="http://schemas.microsoft.com/office/powerpoint/2010/main" val="3993994161"/>
+        <p14:creationId xmlns:p14="http://schemas.microsoft.com/office/powerpoint/2010/main" val="3549092333"/>
       </p:ext>
     </p:extLst>
   </p:cSld>
@@ -4927,7 +5157,7 @@
           <p:cNvPr id="2" name="Title 1">
             <a:extLst>
               <a:ext uri="{FF2B5EF4-FFF2-40B4-BE49-F238E27FC236}">
-                <a16:creationId xmlns:a16="http://schemas.microsoft.com/office/drawing/2014/main" id="{FFDC1348-A666-1364-5437-C445452A48ED}"/>
+                <a16:creationId xmlns:a16="http://schemas.microsoft.com/office/drawing/2014/main" id="{6E3D9127-15C6-60EF-8159-BA484CC1B617}"/>
               </a:ext>
             </a:extLst>
           </p:cNvPr>
@@ -4945,40 +5175,151 @@
           <a:p>
             <a:r>
               <a:rPr lang="en-US" dirty="0"/>
-              <a:t>Model Enhancement</a:t>
-            </a:r>
-          </a:p>
-        </p:txBody>
-      </p:sp>
-      <p:sp>
-        <p:nvSpPr>
-          <p:cNvPr id="3" name="Text Placeholder 2">
-            <a:extLst>
-              <a:ext uri="{FF2B5EF4-FFF2-40B4-BE49-F238E27FC236}">
-                <a16:creationId xmlns:a16="http://schemas.microsoft.com/office/drawing/2014/main" id="{ACE9550D-1A17-2C3D-999A-CC7A1726E5B1}"/>
-              </a:ext>
-            </a:extLst>
-          </p:cNvPr>
-          <p:cNvSpPr>
-            <a:spLocks noGrp="1"/>
-          </p:cNvSpPr>
-          <p:nvPr>
-            <p:ph type="body" idx="1"/>
-          </p:nvPr>
-        </p:nvSpPr>
-        <p:spPr/>
-        <p:txBody>
-          <a:bodyPr/>
-          <a:lstStyle/>
-          <a:p>
-            <a:endParaRPr lang="en-US"/>
+              <a:t>3rd Model</a:t>
+            </a:r>
+          </a:p>
+        </p:txBody>
+      </p:sp>
+      <p:sp>
+        <p:nvSpPr>
+          <p:cNvPr id="6" name="Rectangle 5">
+            <a:extLst>
+              <a:ext uri="{FF2B5EF4-FFF2-40B4-BE49-F238E27FC236}">
+                <a16:creationId xmlns:a16="http://schemas.microsoft.com/office/drawing/2014/main" id="{A574E311-23BE-EEFB-1397-8935E9E34502}"/>
+              </a:ext>
+            </a:extLst>
+          </p:cNvPr>
+          <p:cNvSpPr/>
+          <p:nvPr/>
+        </p:nvSpPr>
+        <p:spPr>
+          <a:xfrm>
+            <a:off x="838200" y="2614582"/>
+            <a:ext cx="1928812" cy="1914525"/>
+          </a:xfrm>
+          <a:prstGeom prst="rect">
+            <a:avLst/>
+          </a:prstGeom>
+        </p:spPr>
+        <p:style>
+          <a:lnRef idx="2">
+            <a:schemeClr val="accent1">
+              <a:shade val="15000"/>
+            </a:schemeClr>
+          </a:lnRef>
+          <a:fillRef idx="1">
+            <a:schemeClr val="accent1"/>
+          </a:fillRef>
+          <a:effectRef idx="0">
+            <a:schemeClr val="accent1"/>
+          </a:effectRef>
+          <a:fontRef idx="minor">
+            <a:schemeClr val="lt1"/>
+          </a:fontRef>
+        </p:style>
+        <p:txBody>
+          <a:bodyPr rtlCol="0" anchor="ctr"/>
+          <a:lstStyle/>
+          <a:p>
+            <a:pPr algn="ctr"/>
+            <a:endParaRPr lang="en-US"/>
+          </a:p>
+        </p:txBody>
+      </p:sp>
+      <p:sp>
+        <p:nvSpPr>
+          <p:cNvPr id="8" name="TextBox 7">
+            <a:extLst>
+              <a:ext uri="{FF2B5EF4-FFF2-40B4-BE49-F238E27FC236}">
+                <a16:creationId xmlns:a16="http://schemas.microsoft.com/office/drawing/2014/main" id="{1B991D48-05F7-EA8E-EFF0-23B3533DE51D}"/>
+              </a:ext>
+            </a:extLst>
+          </p:cNvPr>
+          <p:cNvSpPr txBox="1"/>
+          <p:nvPr/>
+        </p:nvSpPr>
+        <p:spPr>
+          <a:xfrm>
+            <a:off x="3374571" y="1690688"/>
+            <a:ext cx="7837713" cy="4524315"/>
+          </a:xfrm>
+          <a:prstGeom prst="rect">
+            <a:avLst/>
+          </a:prstGeom>
+          <a:noFill/>
+          <a:ln>
+            <a:solidFill>
+              <a:schemeClr val="tx1"/>
+            </a:solidFill>
+          </a:ln>
+        </p:spPr>
+        <p:txBody>
+          <a:bodyPr wrap="square" rtlCol="0">
+            <a:spAutoFit/>
+          </a:bodyPr>
+          <a:lstStyle/>
+          <a:p>
+            <a:r>
+              <a:rPr lang="en-US" dirty="0"/>
+              <a:t>Provide a </a:t>
+            </a:r>
+            <a:r>
+              <a:rPr lang="en-US" b="1" dirty="0"/>
+              <a:t>compelling justification</a:t>
+            </a:r>
+            <a:r>
+              <a:rPr lang="en-US" dirty="0"/>
+              <a:t> for each model selected, emphasizing how they align with the objectives of the challenge. </a:t>
+            </a:r>
+          </a:p>
+          <a:p>
+            <a:endParaRPr lang="en-US" dirty="0"/>
+          </a:p>
+          <a:p>
+            <a:endParaRPr lang="en-US" dirty="0"/>
+          </a:p>
+          <a:p>
+            <a:endParaRPr lang="en-US" dirty="0"/>
+          </a:p>
+          <a:p>
+            <a:endParaRPr lang="en-US" dirty="0"/>
+          </a:p>
+          <a:p>
+            <a:endParaRPr lang="en-US" dirty="0"/>
+          </a:p>
+          <a:p>
+            <a:endParaRPr lang="en-US" dirty="0"/>
+          </a:p>
+          <a:p>
+            <a:endParaRPr lang="en-US" dirty="0"/>
+          </a:p>
+          <a:p>
+            <a:endParaRPr lang="en-US" dirty="0"/>
+          </a:p>
+          <a:p>
+            <a:endParaRPr lang="en-US" dirty="0"/>
+          </a:p>
+          <a:p>
+            <a:endParaRPr lang="en-US" dirty="0"/>
+          </a:p>
+          <a:p>
+            <a:endParaRPr lang="en-US" dirty="0"/>
+          </a:p>
+          <a:p>
+            <a:endParaRPr lang="en-US" dirty="0"/>
+          </a:p>
+          <a:p>
+            <a:endParaRPr lang="en-US" dirty="0"/>
+          </a:p>
+          <a:p>
+            <a:endParaRPr lang="en-US" dirty="0"/>
           </a:p>
         </p:txBody>
       </p:sp>
     </p:spTree>
     <p:extLst>
       <p:ext uri="{BB962C8B-B14F-4D97-AF65-F5344CB8AC3E}">
-        <p14:creationId xmlns:p14="http://schemas.microsoft.com/office/powerpoint/2010/main" val="956150018"/>
+        <p14:creationId xmlns:p14="http://schemas.microsoft.com/office/powerpoint/2010/main" val="3993994161"/>
       </p:ext>
     </p:extLst>
   </p:cSld>

--- a/docs/GroupPresentation.pptx
+++ b/docs/GroupPresentation.pptx
@@ -8,14 +8,16 @@
     <p:sldId id="256" r:id="rId2"/>
     <p:sldId id="266" r:id="rId3"/>
     <p:sldId id="257" r:id="rId4"/>
-    <p:sldId id="258" r:id="rId5"/>
-    <p:sldId id="259" r:id="rId6"/>
-    <p:sldId id="265" r:id="rId7"/>
-    <p:sldId id="260" r:id="rId8"/>
-    <p:sldId id="262" r:id="rId9"/>
-    <p:sldId id="261" r:id="rId10"/>
-    <p:sldId id="263" r:id="rId11"/>
-    <p:sldId id="264" r:id="rId12"/>
+    <p:sldId id="268" r:id="rId5"/>
+    <p:sldId id="258" r:id="rId6"/>
+    <p:sldId id="259" r:id="rId7"/>
+    <p:sldId id="265" r:id="rId8"/>
+    <p:sldId id="260" r:id="rId9"/>
+    <p:sldId id="262" r:id="rId10"/>
+    <p:sldId id="261" r:id="rId11"/>
+    <p:sldId id="263" r:id="rId12"/>
+    <p:sldId id="269" r:id="rId13"/>
+    <p:sldId id="270" r:id="rId14"/>
   </p:sldIdLst>
   <p:sldSz cx="12192000" cy="6858000"/>
   <p:notesSz cx="6858000" cy="9144000"/>
@@ -3406,7 +3408,17 @@
           <a:bodyPr/>
           <a:lstStyle/>
           <a:p>
-            <a:endParaRPr lang="en-US"/>
+            <a:r>
+              <a:rPr lang="en-US" dirty="0" err="1"/>
+              <a:t>Datathon</a:t>
+            </a:r>
+            <a:r>
+              <a:rPr lang="en-US" dirty="0"/>
+              <a:t> 2024</a:t>
+            </a:r>
+          </a:p>
+          <a:p>
+            <a:endParaRPr lang="en-US" dirty="0"/>
           </a:p>
         </p:txBody>
       </p:sp>
@@ -3424,7 +3436,7 @@
 </file>
 
 <file path=ppt/slides/slide10.xml><?xml version="1.0" encoding="utf-8"?>
-<p:sld xmlns:a="http://schemas.openxmlformats.org/drawingml/2006/main" xmlns:r="http://schemas.openxmlformats.org/officeDocument/2006/relationships" xmlns:p="http://schemas.openxmlformats.org/presentationml/2006/main">
+<p:sld xmlns:a="http://schemas.openxmlformats.org/drawingml/2006/main" xmlns:r="http://schemas.openxmlformats.org/officeDocument/2006/relationships" xmlns:p="http://schemas.openxmlformats.org/presentationml/2006/main" show="0">
   <p:cSld>
     <p:spTree>
       <p:nvGrpSpPr>
@@ -3445,7 +3457,7 @@
           <p:cNvPr id="2" name="Title 1">
             <a:extLst>
               <a:ext uri="{FF2B5EF4-FFF2-40B4-BE49-F238E27FC236}">
-                <a16:creationId xmlns:a16="http://schemas.microsoft.com/office/drawing/2014/main" id="{FFDC1348-A666-1364-5437-C445452A48ED}"/>
+                <a16:creationId xmlns:a16="http://schemas.microsoft.com/office/drawing/2014/main" id="{6E3D9127-15C6-60EF-8159-BA484CC1B617}"/>
               </a:ext>
             </a:extLst>
           </p:cNvPr>
@@ -3463,40 +3475,151 @@
           <a:p>
             <a:r>
               <a:rPr lang="en-US" dirty="0"/>
-              <a:t>Model Enhancement</a:t>
-            </a:r>
-          </a:p>
-        </p:txBody>
-      </p:sp>
-      <p:sp>
-        <p:nvSpPr>
-          <p:cNvPr id="3" name="Text Placeholder 2">
-            <a:extLst>
-              <a:ext uri="{FF2B5EF4-FFF2-40B4-BE49-F238E27FC236}">
-                <a16:creationId xmlns:a16="http://schemas.microsoft.com/office/drawing/2014/main" id="{ACE9550D-1A17-2C3D-999A-CC7A1726E5B1}"/>
-              </a:ext>
-            </a:extLst>
-          </p:cNvPr>
-          <p:cNvSpPr>
-            <a:spLocks noGrp="1"/>
-          </p:cNvSpPr>
-          <p:nvPr>
-            <p:ph type="body" idx="1"/>
-          </p:nvPr>
-        </p:nvSpPr>
-        <p:spPr/>
-        <p:txBody>
-          <a:bodyPr/>
-          <a:lstStyle/>
-          <a:p>
-            <a:endParaRPr lang="en-US"/>
+              <a:t>3rd Model</a:t>
+            </a:r>
+          </a:p>
+        </p:txBody>
+      </p:sp>
+      <p:sp>
+        <p:nvSpPr>
+          <p:cNvPr id="6" name="Rectangle 5">
+            <a:extLst>
+              <a:ext uri="{FF2B5EF4-FFF2-40B4-BE49-F238E27FC236}">
+                <a16:creationId xmlns:a16="http://schemas.microsoft.com/office/drawing/2014/main" id="{A574E311-23BE-EEFB-1397-8935E9E34502}"/>
+              </a:ext>
+            </a:extLst>
+          </p:cNvPr>
+          <p:cNvSpPr/>
+          <p:nvPr/>
+        </p:nvSpPr>
+        <p:spPr>
+          <a:xfrm>
+            <a:off x="838200" y="2614582"/>
+            <a:ext cx="1928812" cy="1914525"/>
+          </a:xfrm>
+          <a:prstGeom prst="rect">
+            <a:avLst/>
+          </a:prstGeom>
+        </p:spPr>
+        <p:style>
+          <a:lnRef idx="2">
+            <a:schemeClr val="accent1">
+              <a:shade val="15000"/>
+            </a:schemeClr>
+          </a:lnRef>
+          <a:fillRef idx="1">
+            <a:schemeClr val="accent1"/>
+          </a:fillRef>
+          <a:effectRef idx="0">
+            <a:schemeClr val="accent1"/>
+          </a:effectRef>
+          <a:fontRef idx="minor">
+            <a:schemeClr val="lt1"/>
+          </a:fontRef>
+        </p:style>
+        <p:txBody>
+          <a:bodyPr rtlCol="0" anchor="ctr"/>
+          <a:lstStyle/>
+          <a:p>
+            <a:pPr algn="ctr"/>
+            <a:endParaRPr lang="en-US"/>
+          </a:p>
+        </p:txBody>
+      </p:sp>
+      <p:sp>
+        <p:nvSpPr>
+          <p:cNvPr id="8" name="TextBox 7">
+            <a:extLst>
+              <a:ext uri="{FF2B5EF4-FFF2-40B4-BE49-F238E27FC236}">
+                <a16:creationId xmlns:a16="http://schemas.microsoft.com/office/drawing/2014/main" id="{1B991D48-05F7-EA8E-EFF0-23B3533DE51D}"/>
+              </a:ext>
+            </a:extLst>
+          </p:cNvPr>
+          <p:cNvSpPr txBox="1"/>
+          <p:nvPr/>
+        </p:nvSpPr>
+        <p:spPr>
+          <a:xfrm>
+            <a:off x="3374571" y="1690688"/>
+            <a:ext cx="7837713" cy="4524315"/>
+          </a:xfrm>
+          <a:prstGeom prst="rect">
+            <a:avLst/>
+          </a:prstGeom>
+          <a:noFill/>
+          <a:ln>
+            <a:solidFill>
+              <a:schemeClr val="tx1"/>
+            </a:solidFill>
+          </a:ln>
+        </p:spPr>
+        <p:txBody>
+          <a:bodyPr wrap="square" rtlCol="0">
+            <a:spAutoFit/>
+          </a:bodyPr>
+          <a:lstStyle/>
+          <a:p>
+            <a:r>
+              <a:rPr lang="en-US" dirty="0"/>
+              <a:t>Provide a </a:t>
+            </a:r>
+            <a:r>
+              <a:rPr lang="en-US" b="1" dirty="0"/>
+              <a:t>compelling justification</a:t>
+            </a:r>
+            <a:r>
+              <a:rPr lang="en-US" dirty="0"/>
+              <a:t> for each model selected, emphasizing how they align with the objectives of the challenge. </a:t>
+            </a:r>
+          </a:p>
+          <a:p>
+            <a:endParaRPr lang="en-US" dirty="0"/>
+          </a:p>
+          <a:p>
+            <a:endParaRPr lang="en-US" dirty="0"/>
+          </a:p>
+          <a:p>
+            <a:endParaRPr lang="en-US" dirty="0"/>
+          </a:p>
+          <a:p>
+            <a:endParaRPr lang="en-US" dirty="0"/>
+          </a:p>
+          <a:p>
+            <a:endParaRPr lang="en-US" dirty="0"/>
+          </a:p>
+          <a:p>
+            <a:endParaRPr lang="en-US" dirty="0"/>
+          </a:p>
+          <a:p>
+            <a:endParaRPr lang="en-US" dirty="0"/>
+          </a:p>
+          <a:p>
+            <a:endParaRPr lang="en-US" dirty="0"/>
+          </a:p>
+          <a:p>
+            <a:endParaRPr lang="en-US" dirty="0"/>
+          </a:p>
+          <a:p>
+            <a:endParaRPr lang="en-US" dirty="0"/>
+          </a:p>
+          <a:p>
+            <a:endParaRPr lang="en-US" dirty="0"/>
+          </a:p>
+          <a:p>
+            <a:endParaRPr lang="en-US" dirty="0"/>
+          </a:p>
+          <a:p>
+            <a:endParaRPr lang="en-US" dirty="0"/>
+          </a:p>
+          <a:p>
+            <a:endParaRPr lang="en-US" dirty="0"/>
           </a:p>
         </p:txBody>
       </p:sp>
     </p:spTree>
     <p:extLst>
       <p:ext uri="{BB962C8B-B14F-4D97-AF65-F5344CB8AC3E}">
-        <p14:creationId xmlns:p14="http://schemas.microsoft.com/office/powerpoint/2010/main" val="956150018"/>
+        <p14:creationId xmlns:p14="http://schemas.microsoft.com/office/powerpoint/2010/main" val="3993994161"/>
       </p:ext>
     </p:extLst>
   </p:cSld>
@@ -3528,7 +3651,7 @@
           <p:cNvPr id="2" name="Title 1">
             <a:extLst>
               <a:ext uri="{FF2B5EF4-FFF2-40B4-BE49-F238E27FC236}">
-                <a16:creationId xmlns:a16="http://schemas.microsoft.com/office/drawing/2014/main" id="{6E3D9127-15C6-60EF-8159-BA484CC1B617}"/>
+                <a16:creationId xmlns:a16="http://schemas.microsoft.com/office/drawing/2014/main" id="{FFDC1348-A666-1364-5437-C445452A48ED}"/>
               </a:ext>
             </a:extLst>
           </p:cNvPr>
@@ -3553,139 +3676,84 @@
       </p:sp>
       <p:sp>
         <p:nvSpPr>
-          <p:cNvPr id="3" name="Rectangle 2">
-            <a:extLst>
-              <a:ext uri="{FF2B5EF4-FFF2-40B4-BE49-F238E27FC236}">
-                <a16:creationId xmlns:a16="http://schemas.microsoft.com/office/drawing/2014/main" id="{C08F2743-8A3F-B65D-77D5-840E413219C5}"/>
-              </a:ext>
-            </a:extLst>
-          </p:cNvPr>
-          <p:cNvSpPr/>
-          <p:nvPr/>
-        </p:nvSpPr>
-        <p:spPr>
-          <a:xfrm>
-            <a:off x="1250837" y="1941737"/>
-            <a:ext cx="1928812" cy="1914525"/>
-          </a:xfrm>
-          <a:prstGeom prst="rect">
-            <a:avLst/>
-          </a:prstGeom>
-        </p:spPr>
-        <p:style>
-          <a:lnRef idx="2">
-            <a:schemeClr val="accent1">
-              <a:shade val="15000"/>
-            </a:schemeClr>
-          </a:lnRef>
-          <a:fillRef idx="1">
-            <a:schemeClr val="accent1"/>
-          </a:fillRef>
-          <a:effectRef idx="0">
-            <a:schemeClr val="accent1"/>
-          </a:effectRef>
-          <a:fontRef idx="minor">
-            <a:schemeClr val="lt1"/>
-          </a:fontRef>
-        </p:style>
-        <p:txBody>
-          <a:bodyPr rtlCol="0" anchor="ctr"/>
-          <a:lstStyle/>
-          <a:p>
-            <a:pPr algn="ctr"/>
-            <a:endParaRPr lang="en-US"/>
-          </a:p>
-        </p:txBody>
-      </p:sp>
-      <p:sp>
-        <p:nvSpPr>
-          <p:cNvPr id="4" name="Rectangle 3">
-            <a:extLst>
-              <a:ext uri="{FF2B5EF4-FFF2-40B4-BE49-F238E27FC236}">
-                <a16:creationId xmlns:a16="http://schemas.microsoft.com/office/drawing/2014/main" id="{C981DB0E-2410-6342-1B97-29ACE4E3762B}"/>
-              </a:ext>
-            </a:extLst>
-          </p:cNvPr>
-          <p:cNvSpPr/>
-          <p:nvPr/>
-        </p:nvSpPr>
-        <p:spPr>
-          <a:xfrm>
-            <a:off x="9012351" y="1941737"/>
-            <a:ext cx="1928812" cy="1914525"/>
-          </a:xfrm>
-          <a:prstGeom prst="rect">
-            <a:avLst/>
-          </a:prstGeom>
-        </p:spPr>
-        <p:style>
-          <a:lnRef idx="2">
-            <a:schemeClr val="accent1">
-              <a:shade val="15000"/>
-            </a:schemeClr>
-          </a:lnRef>
-          <a:fillRef idx="1">
-            <a:schemeClr val="accent1"/>
-          </a:fillRef>
-          <a:effectRef idx="0">
-            <a:schemeClr val="accent1"/>
-          </a:effectRef>
-          <a:fontRef idx="minor">
-            <a:schemeClr val="lt1"/>
-          </a:fontRef>
-        </p:style>
-        <p:txBody>
-          <a:bodyPr rtlCol="0" anchor="ctr"/>
-          <a:lstStyle/>
-          <a:p>
-            <a:pPr algn="ctr"/>
-            <a:endParaRPr lang="en-US"/>
-          </a:p>
-        </p:txBody>
-      </p:sp>
-      <p:sp>
-        <p:nvSpPr>
-          <p:cNvPr id="5" name="Rectangle 4">
-            <a:extLst>
-              <a:ext uri="{FF2B5EF4-FFF2-40B4-BE49-F238E27FC236}">
-                <a16:creationId xmlns:a16="http://schemas.microsoft.com/office/drawing/2014/main" id="{F2CD1F5A-B2CD-F560-7B76-E108A4DECF53}"/>
-              </a:ext>
-            </a:extLst>
-          </p:cNvPr>
-          <p:cNvSpPr/>
-          <p:nvPr/>
-        </p:nvSpPr>
-        <p:spPr>
-          <a:xfrm>
-            <a:off x="5131594" y="1941737"/>
-            <a:ext cx="1928812" cy="1914525"/>
-          </a:xfrm>
-          <a:prstGeom prst="rect">
-            <a:avLst/>
-          </a:prstGeom>
-        </p:spPr>
-        <p:style>
-          <a:lnRef idx="2">
-            <a:schemeClr val="accent1">
-              <a:shade val="15000"/>
-            </a:schemeClr>
-          </a:lnRef>
-          <a:fillRef idx="1">
-            <a:schemeClr val="accent1"/>
-          </a:fillRef>
-          <a:effectRef idx="0">
-            <a:schemeClr val="accent1"/>
-          </a:effectRef>
-          <a:fontRef idx="minor">
-            <a:schemeClr val="lt1"/>
-          </a:fontRef>
-        </p:style>
-        <p:txBody>
-          <a:bodyPr rtlCol="0" anchor="ctr"/>
-          <a:lstStyle/>
-          <a:p>
-            <a:pPr algn="ctr"/>
-            <a:endParaRPr lang="en-US"/>
+          <p:cNvPr id="3" name="Text Placeholder 2">
+            <a:extLst>
+              <a:ext uri="{FF2B5EF4-FFF2-40B4-BE49-F238E27FC236}">
+                <a16:creationId xmlns:a16="http://schemas.microsoft.com/office/drawing/2014/main" id="{ACE9550D-1A17-2C3D-999A-CC7A1726E5B1}"/>
+              </a:ext>
+            </a:extLst>
+          </p:cNvPr>
+          <p:cNvSpPr>
+            <a:spLocks noGrp="1"/>
+          </p:cNvSpPr>
+          <p:nvPr>
+            <p:ph type="body" idx="1"/>
+          </p:nvPr>
+        </p:nvSpPr>
+        <p:spPr/>
+        <p:txBody>
+          <a:bodyPr/>
+          <a:lstStyle/>
+          <a:p>
+            <a:endParaRPr lang="en-US"/>
+          </a:p>
+        </p:txBody>
+      </p:sp>
+    </p:spTree>
+    <p:extLst>
+      <p:ext uri="{BB962C8B-B14F-4D97-AF65-F5344CB8AC3E}">
+        <p14:creationId xmlns:p14="http://schemas.microsoft.com/office/powerpoint/2010/main" val="956150018"/>
+      </p:ext>
+    </p:extLst>
+  </p:cSld>
+  <p:clrMapOvr>
+    <a:masterClrMapping/>
+  </p:clrMapOvr>
+</p:sld>
+</file>
+
+<file path=ppt/slides/slide12.xml><?xml version="1.0" encoding="utf-8"?>
+<p:sld xmlns:a="http://schemas.openxmlformats.org/drawingml/2006/main" xmlns:r="http://schemas.openxmlformats.org/officeDocument/2006/relationships" xmlns:p="http://schemas.openxmlformats.org/presentationml/2006/main">
+  <p:cSld>
+    <p:spTree>
+      <p:nvGrpSpPr>
+        <p:cNvPr id="1" name=""/>
+        <p:cNvGrpSpPr/>
+        <p:nvPr/>
+      </p:nvGrpSpPr>
+      <p:grpSpPr>
+        <a:xfrm>
+          <a:off x="0" y="0"/>
+          <a:ext cx="0" cy="0"/>
+          <a:chOff x="0" y="0"/>
+          <a:chExt cx="0" cy="0"/>
+        </a:xfrm>
+      </p:grpSpPr>
+      <p:sp>
+        <p:nvSpPr>
+          <p:cNvPr id="2" name="Title 1">
+            <a:extLst>
+              <a:ext uri="{FF2B5EF4-FFF2-40B4-BE49-F238E27FC236}">
+                <a16:creationId xmlns:a16="http://schemas.microsoft.com/office/drawing/2014/main" id="{6E3D9127-15C6-60EF-8159-BA484CC1B617}"/>
+              </a:ext>
+            </a:extLst>
+          </p:cNvPr>
+          <p:cNvSpPr>
+            <a:spLocks noGrp="1"/>
+          </p:cNvSpPr>
+          <p:nvPr>
+            <p:ph type="title"/>
+          </p:nvPr>
+        </p:nvSpPr>
+        <p:spPr/>
+        <p:txBody>
+          <a:bodyPr/>
+          <a:lstStyle/>
+          <a:p>
+            <a:r>
+              <a:rPr lang="en-US" dirty="0"/>
+              <a:t>Model Selection</a:t>
+            </a:r>
           </a:p>
         </p:txBody>
       </p:sp>
@@ -3704,7 +3772,7 @@
         <p:spPr>
           <a:xfrm>
             <a:off x="664029" y="4245428"/>
-            <a:ext cx="3102428" cy="1477328"/>
+            <a:ext cx="3102428" cy="923330"/>
           </a:xfrm>
           <a:prstGeom prst="rect">
             <a:avLst/>
@@ -3725,7 +3793,7 @@
             <a:pPr algn="ctr"/>
             <a:r>
               <a:rPr lang="en-US" dirty="0"/>
-              <a:t>External Data</a:t>
+              <a:t>Baseline</a:t>
             </a:r>
           </a:p>
           <a:p>
@@ -3736,19 +3804,8 @@
             <a:pPr algn="ctr"/>
             <a:r>
               <a:rPr lang="en-US" dirty="0"/>
-              <a:t>Google Trends (public)</a:t>
-            </a:r>
-          </a:p>
-          <a:p>
-            <a:pPr algn="ctr"/>
-            <a:r>
-              <a:rPr lang="en-US" dirty="0"/>
-              <a:t>UBS Database / Bloomberg</a:t>
-            </a:r>
-          </a:p>
-          <a:p>
-            <a:pPr algn="ctr"/>
-            <a:endParaRPr lang="en-US" dirty="0"/>
+              <a:t>…</a:t>
+            </a:r>
           </a:p>
         </p:txBody>
       </p:sp>
@@ -3767,7 +3824,7 @@
         <p:spPr>
           <a:xfrm>
             <a:off x="4544786" y="4245428"/>
-            <a:ext cx="3102428" cy="369332"/>
+            <a:ext cx="3102428" cy="923330"/>
           </a:xfrm>
           <a:prstGeom prst="rect">
             <a:avLst/>
@@ -3786,7 +3843,21 @@
           <a:lstStyle/>
           <a:p>
             <a:pPr algn="ctr"/>
+            <a:r>
+              <a:rPr lang="en-US" dirty="0"/>
+              <a:t>K-Means w/ Surrogate</a:t>
+            </a:r>
+          </a:p>
+          <a:p>
+            <a:pPr algn="ctr"/>
             <a:endParaRPr lang="en-US" dirty="0"/>
+          </a:p>
+          <a:p>
+            <a:pPr algn="ctr"/>
+            <a:r>
+              <a:rPr lang="en-US" dirty="0"/>
+              <a:t>….</a:t>
+            </a:r>
           </a:p>
         </p:txBody>
       </p:sp>
@@ -3805,7 +3876,7 @@
         <p:spPr>
           <a:xfrm>
             <a:off x="8425543" y="4245428"/>
-            <a:ext cx="3102428" cy="369332"/>
+            <a:ext cx="3102428" cy="923330"/>
           </a:xfrm>
           <a:prstGeom prst="rect">
             <a:avLst/>
@@ -3824,14 +3895,219 @@
           <a:lstStyle/>
           <a:p>
             <a:pPr algn="ctr"/>
+            <a:r>
+              <a:rPr lang="en-US" dirty="0"/>
+              <a:t>God’s Plan</a:t>
+            </a:r>
+          </a:p>
+          <a:p>
+            <a:pPr algn="ctr"/>
             <a:endParaRPr lang="en-US" dirty="0"/>
+          </a:p>
+          <a:p>
+            <a:pPr algn="ctr"/>
+            <a:r>
+              <a:rPr lang="en-US" dirty="0"/>
+              <a:t>…</a:t>
+            </a:r>
+          </a:p>
+        </p:txBody>
+      </p:sp>
+      <p:sp>
+        <p:nvSpPr>
+          <p:cNvPr id="6" name="TextBox 5">
+            <a:extLst>
+              <a:ext uri="{FF2B5EF4-FFF2-40B4-BE49-F238E27FC236}">
+                <a16:creationId xmlns:a16="http://schemas.microsoft.com/office/drawing/2014/main" id="{7349F83B-9FD3-7AAA-F532-6C44048EA131}"/>
+              </a:ext>
+            </a:extLst>
+          </p:cNvPr>
+          <p:cNvSpPr txBox="1"/>
+          <p:nvPr/>
+        </p:nvSpPr>
+        <p:spPr>
+          <a:xfrm>
+            <a:off x="9474313" y="2152450"/>
+            <a:ext cx="1004888" cy="1631216"/>
+          </a:xfrm>
+          <a:prstGeom prst="rect">
+            <a:avLst/>
+          </a:prstGeom>
+          <a:noFill/>
+        </p:spPr>
+        <p:txBody>
+          <a:bodyPr wrap="square" rtlCol="0">
+            <a:spAutoFit/>
+          </a:bodyPr>
+          <a:lstStyle/>
+          <a:p>
+            <a:pPr algn="ctr"/>
+            <a:r>
+              <a:rPr lang="en-US" sz="10000" dirty="0"/>
+              <a:t>3</a:t>
+            </a:r>
+          </a:p>
+        </p:txBody>
+      </p:sp>
+      <p:sp>
+        <p:nvSpPr>
+          <p:cNvPr id="7" name="TextBox 6">
+            <a:extLst>
+              <a:ext uri="{FF2B5EF4-FFF2-40B4-BE49-F238E27FC236}">
+                <a16:creationId xmlns:a16="http://schemas.microsoft.com/office/drawing/2014/main" id="{52DBF8FB-2A84-D378-38EA-A10458B1B0DD}"/>
+              </a:ext>
+            </a:extLst>
+          </p:cNvPr>
+          <p:cNvSpPr txBox="1"/>
+          <p:nvPr/>
+        </p:nvSpPr>
+        <p:spPr>
+          <a:xfrm>
+            <a:off x="1865199" y="2377446"/>
+            <a:ext cx="1004888" cy="1631216"/>
+          </a:xfrm>
+          <a:prstGeom prst="rect">
+            <a:avLst/>
+          </a:prstGeom>
+          <a:noFill/>
+        </p:spPr>
+        <p:txBody>
+          <a:bodyPr wrap="square" rtlCol="0">
+            <a:spAutoFit/>
+          </a:bodyPr>
+          <a:lstStyle/>
+          <a:p>
+            <a:pPr algn="ctr"/>
+            <a:r>
+              <a:rPr lang="en-US" sz="10000" dirty="0"/>
+              <a:t>1</a:t>
+            </a:r>
+          </a:p>
+        </p:txBody>
+      </p:sp>
+      <p:sp>
+        <p:nvSpPr>
+          <p:cNvPr id="8" name="TextBox 7">
+            <a:extLst>
+              <a:ext uri="{FF2B5EF4-FFF2-40B4-BE49-F238E27FC236}">
+                <a16:creationId xmlns:a16="http://schemas.microsoft.com/office/drawing/2014/main" id="{8CFBAEE9-31A0-03E7-9012-1FD439382CB2}"/>
+              </a:ext>
+            </a:extLst>
+          </p:cNvPr>
+          <p:cNvSpPr txBox="1"/>
+          <p:nvPr/>
+        </p:nvSpPr>
+        <p:spPr>
+          <a:xfrm>
+            <a:off x="5593556" y="2225046"/>
+            <a:ext cx="1004888" cy="1631216"/>
+          </a:xfrm>
+          <a:prstGeom prst="rect">
+            <a:avLst/>
+          </a:prstGeom>
+          <a:noFill/>
+        </p:spPr>
+        <p:txBody>
+          <a:bodyPr wrap="square" rtlCol="0">
+            <a:spAutoFit/>
+          </a:bodyPr>
+          <a:lstStyle/>
+          <a:p>
+            <a:pPr algn="ctr"/>
+            <a:r>
+              <a:rPr lang="en-US" sz="10000" dirty="0"/>
+              <a:t>2</a:t>
+            </a:r>
           </a:p>
         </p:txBody>
       </p:sp>
     </p:spTree>
     <p:extLst>
       <p:ext uri="{BB962C8B-B14F-4D97-AF65-F5344CB8AC3E}">
-        <p14:creationId xmlns:p14="http://schemas.microsoft.com/office/powerpoint/2010/main" val="4162394579"/>
+        <p14:creationId xmlns:p14="http://schemas.microsoft.com/office/powerpoint/2010/main" val="1143194036"/>
+      </p:ext>
+    </p:extLst>
+  </p:cSld>
+  <p:clrMapOvr>
+    <a:masterClrMapping/>
+  </p:clrMapOvr>
+</p:sld>
+</file>
+
+<file path=ppt/slides/slide13.xml><?xml version="1.0" encoding="utf-8"?>
+<p:sld xmlns:a="http://schemas.openxmlformats.org/drawingml/2006/main" xmlns:r="http://schemas.openxmlformats.org/officeDocument/2006/relationships" xmlns:p="http://schemas.openxmlformats.org/presentationml/2006/main">
+  <p:cSld>
+    <p:spTree>
+      <p:nvGrpSpPr>
+        <p:cNvPr id="1" name=""/>
+        <p:cNvGrpSpPr/>
+        <p:nvPr/>
+      </p:nvGrpSpPr>
+      <p:grpSpPr>
+        <a:xfrm>
+          <a:off x="0" y="0"/>
+          <a:ext cx="0" cy="0"/>
+          <a:chOff x="0" y="0"/>
+          <a:chExt cx="0" cy="0"/>
+        </a:xfrm>
+      </p:grpSpPr>
+      <p:sp>
+        <p:nvSpPr>
+          <p:cNvPr id="2" name="Title 1">
+            <a:extLst>
+              <a:ext uri="{FF2B5EF4-FFF2-40B4-BE49-F238E27FC236}">
+                <a16:creationId xmlns:a16="http://schemas.microsoft.com/office/drawing/2014/main" id="{6CDC41FB-95B6-3A0E-D423-8A9F81816C9E}"/>
+              </a:ext>
+            </a:extLst>
+          </p:cNvPr>
+          <p:cNvSpPr>
+            <a:spLocks noGrp="1"/>
+          </p:cNvSpPr>
+          <p:nvPr>
+            <p:ph type="title"/>
+          </p:nvPr>
+        </p:nvSpPr>
+        <p:spPr/>
+        <p:txBody>
+          <a:bodyPr/>
+          <a:lstStyle/>
+          <a:p>
+            <a:r>
+              <a:rPr lang="en-US"/>
+              <a:t>Actionable Insights</a:t>
+            </a:r>
+          </a:p>
+        </p:txBody>
+      </p:sp>
+      <p:sp>
+        <p:nvSpPr>
+          <p:cNvPr id="3" name="Content Placeholder 2">
+            <a:extLst>
+              <a:ext uri="{FF2B5EF4-FFF2-40B4-BE49-F238E27FC236}">
+                <a16:creationId xmlns:a16="http://schemas.microsoft.com/office/drawing/2014/main" id="{C34BB4B5-B146-E691-A9CB-2378C0BFB4D6}"/>
+              </a:ext>
+            </a:extLst>
+          </p:cNvPr>
+          <p:cNvSpPr>
+            <a:spLocks noGrp="1"/>
+          </p:cNvSpPr>
+          <p:nvPr>
+            <p:ph idx="1"/>
+          </p:nvPr>
+        </p:nvSpPr>
+        <p:spPr/>
+        <p:txBody>
+          <a:bodyPr/>
+          <a:lstStyle/>
+          <a:p>
+            <a:endParaRPr lang="en-US"/>
+          </a:p>
+        </p:txBody>
+      </p:sp>
+    </p:spTree>
+    <p:extLst>
+      <p:ext uri="{BB962C8B-B14F-4D97-AF65-F5344CB8AC3E}">
+        <p14:creationId xmlns:p14="http://schemas.microsoft.com/office/powerpoint/2010/main" val="58178109"/>
       </p:ext>
     </p:extLst>
   </p:cSld>
@@ -3888,55 +4164,6 @@
       </p:sp>
       <p:sp>
         <p:nvSpPr>
-          <p:cNvPr id="3" name="Rectangle 2">
-            <a:extLst>
-              <a:ext uri="{FF2B5EF4-FFF2-40B4-BE49-F238E27FC236}">
-                <a16:creationId xmlns:a16="http://schemas.microsoft.com/office/drawing/2014/main" id="{C08F2743-8A3F-B65D-77D5-840E413219C5}"/>
-              </a:ext>
-            </a:extLst>
-          </p:cNvPr>
-          <p:cNvSpPr/>
-          <p:nvPr/>
-        </p:nvSpPr>
-        <p:spPr>
-          <a:xfrm>
-            <a:off x="1250837" y="1941737"/>
-            <a:ext cx="1928812" cy="1914525"/>
-          </a:xfrm>
-          <a:prstGeom prst="rect">
-            <a:avLst/>
-          </a:prstGeom>
-        </p:spPr>
-        <p:style>
-          <a:lnRef idx="2">
-            <a:schemeClr val="accent1">
-              <a:shade val="15000"/>
-            </a:schemeClr>
-          </a:lnRef>
-          <a:fillRef idx="1">
-            <a:schemeClr val="accent1"/>
-          </a:fillRef>
-          <a:effectRef idx="0">
-            <a:schemeClr val="accent1"/>
-          </a:effectRef>
-          <a:fontRef idx="minor">
-            <a:schemeClr val="lt1"/>
-          </a:fontRef>
-        </p:style>
-        <p:txBody>
-          <a:bodyPr rtlCol="0" anchor="ctr"/>
-          <a:lstStyle/>
-          <a:p>
-            <a:pPr algn="ctr"/>
-            <a:r>
-              <a:rPr lang="en-US" dirty="0"/>
-              <a:t>Football / goal</a:t>
-            </a:r>
-          </a:p>
-        </p:txBody>
-      </p:sp>
-      <p:sp>
-        <p:nvSpPr>
           <p:cNvPr id="4" name="Rectangle 3">
             <a:extLst>
               <a:ext uri="{FF2B5EF4-FFF2-40B4-BE49-F238E27FC236}">
@@ -3979,56 +4206,7 @@
             <a:pPr algn="ctr"/>
             <a:r>
               <a:rPr lang="en-US" dirty="0"/>
-              <a:t>Hammer / tool</a:t>
-            </a:r>
-          </a:p>
-        </p:txBody>
-      </p:sp>
-      <p:sp>
-        <p:nvSpPr>
-          <p:cNvPr id="5" name="Rectangle 4">
-            <a:extLst>
-              <a:ext uri="{FF2B5EF4-FFF2-40B4-BE49-F238E27FC236}">
-                <a16:creationId xmlns:a16="http://schemas.microsoft.com/office/drawing/2014/main" id="{F2CD1F5A-B2CD-F560-7B76-E108A4DECF53}"/>
-              </a:ext>
-            </a:extLst>
-          </p:cNvPr>
-          <p:cNvSpPr/>
-          <p:nvPr/>
-        </p:nvSpPr>
-        <p:spPr>
-          <a:xfrm>
-            <a:off x="5131594" y="1941737"/>
-            <a:ext cx="1928812" cy="1914525"/>
-          </a:xfrm>
-          <a:prstGeom prst="rect">
-            <a:avLst/>
-          </a:prstGeom>
-        </p:spPr>
-        <p:style>
-          <a:lnRef idx="2">
-            <a:schemeClr val="accent1">
-              <a:shade val="15000"/>
-            </a:schemeClr>
-          </a:lnRef>
-          <a:fillRef idx="1">
-            <a:schemeClr val="accent1"/>
-          </a:fillRef>
-          <a:effectRef idx="0">
-            <a:schemeClr val="accent1"/>
-          </a:effectRef>
-          <a:fontRef idx="minor">
-            <a:schemeClr val="lt1"/>
-          </a:fontRef>
-        </p:style>
-        <p:txBody>
-          <a:bodyPr rtlCol="0" anchor="ctr"/>
-          <a:lstStyle/>
-          <a:p>
-            <a:pPr algn="ctr"/>
-            <a:r>
-              <a:rPr lang="en-US" dirty="0"/>
-              <a:t>lightbulb</a:t>
+              <a:t>DATA</a:t>
             </a:r>
           </a:p>
         </p:txBody>
@@ -4163,6 +4341,66 @@
           </a:p>
         </p:txBody>
       </p:sp>
+      <p:pic>
+        <p:nvPicPr>
+          <p:cNvPr id="7" name="Picture 6" descr="A black background with a black square&#10;&#10;Description automatically generated with medium confidence">
+            <a:extLst>
+              <a:ext uri="{FF2B5EF4-FFF2-40B4-BE49-F238E27FC236}">
+                <a16:creationId xmlns:a16="http://schemas.microsoft.com/office/drawing/2014/main" id="{EF912476-7BF4-9B68-451B-E7C8F8FB4BE2}"/>
+              </a:ext>
+            </a:extLst>
+          </p:cNvPr>
+          <p:cNvPicPr>
+            <a:picLocks noChangeAspect="1"/>
+          </p:cNvPicPr>
+          <p:nvPr/>
+        </p:nvPicPr>
+        <p:blipFill>
+          <a:blip r:embed="rId2"/>
+          <a:stretch>
+            <a:fillRect/>
+          </a:stretch>
+        </p:blipFill>
+        <p:spPr>
+          <a:xfrm>
+            <a:off x="1605643" y="2289399"/>
+            <a:ext cx="1219200" cy="1219200"/>
+          </a:xfrm>
+          <a:prstGeom prst="rect">
+            <a:avLst/>
+          </a:prstGeom>
+        </p:spPr>
+      </p:pic>
+      <p:pic>
+        <p:nvPicPr>
+          <p:cNvPr id="14" name="Picture 13" descr="A black background with a black square&#10;&#10;Description automatically generated with medium confidence">
+            <a:extLst>
+              <a:ext uri="{FF2B5EF4-FFF2-40B4-BE49-F238E27FC236}">
+                <a16:creationId xmlns:a16="http://schemas.microsoft.com/office/drawing/2014/main" id="{530D5B51-6B1A-36B0-BB98-09A6DA2AC1F6}"/>
+              </a:ext>
+            </a:extLst>
+          </p:cNvPr>
+          <p:cNvPicPr>
+            <a:picLocks noChangeAspect="1"/>
+          </p:cNvPicPr>
+          <p:nvPr/>
+        </p:nvPicPr>
+        <p:blipFill>
+          <a:blip r:embed="rId3"/>
+          <a:stretch>
+            <a:fillRect/>
+          </a:stretch>
+        </p:blipFill>
+        <p:spPr>
+          <a:xfrm>
+            <a:off x="5284107" y="2087106"/>
+            <a:ext cx="1623786" cy="1623786"/>
+          </a:xfrm>
+          <a:prstGeom prst="rect">
+            <a:avLst/>
+          </a:prstGeom>
+        </p:spPr>
+      </p:pic>
     </p:spTree>
     <p:extLst>
       <p:ext uri="{BB962C8B-B14F-4D97-AF65-F5344CB8AC3E}">
@@ -4281,7 +4519,7 @@
           <p:cNvPr id="2" name="Title 1">
             <a:extLst>
               <a:ext uri="{FF2B5EF4-FFF2-40B4-BE49-F238E27FC236}">
-                <a16:creationId xmlns:a16="http://schemas.microsoft.com/office/drawing/2014/main" id="{FFDC1348-A666-1364-5437-C445452A48ED}"/>
+                <a16:creationId xmlns:a16="http://schemas.microsoft.com/office/drawing/2014/main" id="{6E3D9127-15C6-60EF-8159-BA484CC1B617}"/>
               </a:ext>
             </a:extLst>
           </p:cNvPr>
@@ -4299,40 +4537,277 @@
           <a:p>
             <a:r>
               <a:rPr lang="en-US" dirty="0"/>
-              <a:t>Model Approach</a:t>
-            </a:r>
-          </a:p>
-        </p:txBody>
-      </p:sp>
-      <p:sp>
-        <p:nvSpPr>
-          <p:cNvPr id="3" name="Text Placeholder 2">
-            <a:extLst>
-              <a:ext uri="{FF2B5EF4-FFF2-40B4-BE49-F238E27FC236}">
-                <a16:creationId xmlns:a16="http://schemas.microsoft.com/office/drawing/2014/main" id="{ACE9550D-1A17-2C3D-999A-CC7A1726E5B1}"/>
-              </a:ext>
-            </a:extLst>
-          </p:cNvPr>
-          <p:cNvSpPr>
-            <a:spLocks noGrp="1"/>
-          </p:cNvSpPr>
-          <p:nvPr>
-            <p:ph type="body" idx="1"/>
-          </p:nvPr>
-        </p:nvSpPr>
-        <p:spPr/>
-        <p:txBody>
-          <a:bodyPr/>
-          <a:lstStyle/>
-          <a:p>
-            <a:endParaRPr lang="en-US"/>
+              <a:t>Data Understanding</a:t>
+            </a:r>
+          </a:p>
+        </p:txBody>
+      </p:sp>
+      <p:sp>
+        <p:nvSpPr>
+          <p:cNvPr id="9" name="TextBox 8">
+            <a:extLst>
+              <a:ext uri="{FF2B5EF4-FFF2-40B4-BE49-F238E27FC236}">
+                <a16:creationId xmlns:a16="http://schemas.microsoft.com/office/drawing/2014/main" id="{E47A42C8-AC91-09C2-976D-47FBE9E08EF7}"/>
+              </a:ext>
+            </a:extLst>
+          </p:cNvPr>
+          <p:cNvSpPr txBox="1"/>
+          <p:nvPr/>
+        </p:nvSpPr>
+        <p:spPr>
+          <a:xfrm>
+            <a:off x="674915" y="2575833"/>
+            <a:ext cx="3102428" cy="646331"/>
+          </a:xfrm>
+          <a:prstGeom prst="rect">
+            <a:avLst/>
+          </a:prstGeom>
+          <a:noFill/>
+          <a:ln>
+            <a:solidFill>
+              <a:schemeClr val="tx1"/>
+            </a:solidFill>
+          </a:ln>
+        </p:spPr>
+        <p:txBody>
+          <a:bodyPr wrap="square" rtlCol="0">
+            <a:spAutoFit/>
+          </a:bodyPr>
+          <a:lstStyle/>
+          <a:p>
+            <a:pPr algn="ctr"/>
+            <a:r>
+              <a:rPr lang="en-US" dirty="0"/>
+              <a:t>Data Cleaning &amp; </a:t>
+            </a:r>
+          </a:p>
+          <a:p>
+            <a:pPr algn="ctr"/>
+            <a:r>
+              <a:rPr lang="en-US" dirty="0"/>
+              <a:t>Preprocessing</a:t>
+            </a:r>
+          </a:p>
+        </p:txBody>
+      </p:sp>
+      <p:sp>
+        <p:nvSpPr>
+          <p:cNvPr id="10" name="TextBox 9">
+            <a:extLst>
+              <a:ext uri="{FF2B5EF4-FFF2-40B4-BE49-F238E27FC236}">
+                <a16:creationId xmlns:a16="http://schemas.microsoft.com/office/drawing/2014/main" id="{2B900E16-D530-7F09-237A-22D3DE9EDC63}"/>
+              </a:ext>
+            </a:extLst>
+          </p:cNvPr>
+          <p:cNvSpPr txBox="1"/>
+          <p:nvPr/>
+        </p:nvSpPr>
+        <p:spPr>
+          <a:xfrm>
+            <a:off x="4544786" y="2714332"/>
+            <a:ext cx="3102428" cy="369332"/>
+          </a:xfrm>
+          <a:prstGeom prst="rect">
+            <a:avLst/>
+          </a:prstGeom>
+          <a:noFill/>
+          <a:ln>
+            <a:solidFill>
+              <a:schemeClr val="tx1"/>
+            </a:solidFill>
+          </a:ln>
+        </p:spPr>
+        <p:txBody>
+          <a:bodyPr wrap="square" rtlCol="0">
+            <a:spAutoFit/>
+          </a:bodyPr>
+          <a:lstStyle/>
+          <a:p>
+            <a:pPr algn="ctr"/>
+            <a:r>
+              <a:rPr lang="en-US" dirty="0"/>
+              <a:t>Assumptions on Data</a:t>
+            </a:r>
+          </a:p>
+        </p:txBody>
+      </p:sp>
+      <p:sp>
+        <p:nvSpPr>
+          <p:cNvPr id="11" name="TextBox 10">
+            <a:extLst>
+              <a:ext uri="{FF2B5EF4-FFF2-40B4-BE49-F238E27FC236}">
+                <a16:creationId xmlns:a16="http://schemas.microsoft.com/office/drawing/2014/main" id="{6BCC6220-6F4A-A22D-68C7-5741323F9E1C}"/>
+              </a:ext>
+            </a:extLst>
+          </p:cNvPr>
+          <p:cNvSpPr txBox="1"/>
+          <p:nvPr/>
+        </p:nvSpPr>
+        <p:spPr>
+          <a:xfrm>
+            <a:off x="8414657" y="2714332"/>
+            <a:ext cx="3102428" cy="646331"/>
+          </a:xfrm>
+          <a:prstGeom prst="rect">
+            <a:avLst/>
+          </a:prstGeom>
+          <a:noFill/>
+          <a:ln>
+            <a:solidFill>
+              <a:schemeClr val="tx1"/>
+            </a:solidFill>
+          </a:ln>
+        </p:spPr>
+        <p:txBody>
+          <a:bodyPr wrap="square" rtlCol="0">
+            <a:spAutoFit/>
+          </a:bodyPr>
+          <a:lstStyle/>
+          <a:p>
+            <a:pPr algn="ctr"/>
+            <a:r>
+              <a:rPr lang="en-US" dirty="0"/>
+              <a:t>Feature Engineering &amp;</a:t>
+            </a:r>
+          </a:p>
+          <a:p>
+            <a:pPr algn="ctr"/>
+            <a:r>
+              <a:rPr lang="en-US" dirty="0"/>
+              <a:t>Augmentation </a:t>
+            </a:r>
+          </a:p>
+        </p:txBody>
+      </p:sp>
+      <p:sp>
+        <p:nvSpPr>
+          <p:cNvPr id="6" name="TextBox 5">
+            <a:extLst>
+              <a:ext uri="{FF2B5EF4-FFF2-40B4-BE49-F238E27FC236}">
+                <a16:creationId xmlns:a16="http://schemas.microsoft.com/office/drawing/2014/main" id="{D98513C9-D5C3-3419-B7FE-79A65CC90342}"/>
+              </a:ext>
+            </a:extLst>
+          </p:cNvPr>
+          <p:cNvSpPr txBox="1"/>
+          <p:nvPr/>
+        </p:nvSpPr>
+        <p:spPr>
+          <a:xfrm>
+            <a:off x="4544786" y="3752744"/>
+            <a:ext cx="3102428" cy="1200329"/>
+          </a:xfrm>
+          <a:prstGeom prst="rect">
+            <a:avLst/>
+          </a:prstGeom>
+          <a:noFill/>
+        </p:spPr>
+        <p:txBody>
+          <a:bodyPr wrap="square" rtlCol="0">
+            <a:spAutoFit/>
+          </a:bodyPr>
+          <a:lstStyle/>
+          <a:p>
+            <a:pPr marL="285750" indent="-285750">
+              <a:buFont typeface="Arial" panose="020B0604020202020204" pitchFamily="34" charset="0"/>
+              <a:buChar char="•"/>
+            </a:pPr>
+            <a:r>
+              <a:rPr lang="en-US" dirty="0"/>
+              <a:t>Representative Power of Brand Popularity</a:t>
+            </a:r>
+          </a:p>
+          <a:p>
+            <a:pPr marL="285750" indent="-285750">
+              <a:buFont typeface="Arial" panose="020B0604020202020204" pitchFamily="34" charset="0"/>
+              <a:buChar char="•"/>
+            </a:pPr>
+            <a:r>
+              <a:rPr lang="en-US" dirty="0"/>
+              <a:t>Acquisitions</a:t>
+            </a:r>
+          </a:p>
+          <a:p>
+            <a:pPr marL="285750" indent="-285750">
+              <a:buFont typeface="Arial" panose="020B0604020202020204" pitchFamily="34" charset="0"/>
+              <a:buChar char="•"/>
+            </a:pPr>
+            <a:endParaRPr lang="en-US" dirty="0"/>
+          </a:p>
+        </p:txBody>
+      </p:sp>
+      <p:sp>
+        <p:nvSpPr>
+          <p:cNvPr id="7" name="TextBox 6">
+            <a:extLst>
+              <a:ext uri="{FF2B5EF4-FFF2-40B4-BE49-F238E27FC236}">
+                <a16:creationId xmlns:a16="http://schemas.microsoft.com/office/drawing/2014/main" id="{1101666E-B2F7-2D40-6C7A-80A0F2345912}"/>
+              </a:ext>
+            </a:extLst>
+          </p:cNvPr>
+          <p:cNvSpPr txBox="1"/>
+          <p:nvPr/>
+        </p:nvSpPr>
+        <p:spPr>
+          <a:xfrm>
+            <a:off x="827315" y="3752744"/>
+            <a:ext cx="3102428" cy="1200329"/>
+          </a:xfrm>
+          <a:prstGeom prst="rect">
+            <a:avLst/>
+          </a:prstGeom>
+          <a:noFill/>
+        </p:spPr>
+        <p:txBody>
+          <a:bodyPr wrap="square" rtlCol="0">
+            <a:spAutoFit/>
+          </a:bodyPr>
+          <a:lstStyle/>
+          <a:p>
+            <a:pPr marL="285750" indent="-285750">
+              <a:buFont typeface="Arial" panose="020B0604020202020204" pitchFamily="34" charset="0"/>
+              <a:buChar char="•"/>
+            </a:pPr>
+            <a:r>
+              <a:rPr lang="en-US" dirty="0"/>
+              <a:t>Data Imputation</a:t>
+            </a:r>
+          </a:p>
+          <a:p>
+            <a:pPr marL="285750" indent="-285750">
+              <a:buFont typeface="Arial" panose="020B0604020202020204" pitchFamily="34" charset="0"/>
+              <a:buChar char="•"/>
+            </a:pPr>
+            <a:r>
+              <a:rPr lang="en-US" dirty="0"/>
+              <a:t>Data Normalization</a:t>
+            </a:r>
+          </a:p>
+          <a:p>
+            <a:pPr marL="285750" indent="-285750">
+              <a:buFont typeface="Arial" panose="020B0604020202020204" pitchFamily="34" charset="0"/>
+              <a:buChar char="•"/>
+            </a:pPr>
+            <a:r>
+              <a:rPr lang="en-US" dirty="0"/>
+              <a:t>Duplicate Rows</a:t>
+            </a:r>
+          </a:p>
+          <a:p>
+            <a:pPr marL="285750" indent="-285750">
+              <a:buFont typeface="Arial" panose="020B0604020202020204" pitchFamily="34" charset="0"/>
+              <a:buChar char="•"/>
+            </a:pPr>
+            <a:r>
+              <a:rPr lang="en-US" dirty="0"/>
+              <a:t>…</a:t>
+            </a:r>
           </a:p>
         </p:txBody>
       </p:sp>
     </p:spTree>
     <p:extLst>
       <p:ext uri="{BB962C8B-B14F-4D97-AF65-F5344CB8AC3E}">
-        <p14:creationId xmlns:p14="http://schemas.microsoft.com/office/powerpoint/2010/main" val="3546789680"/>
+        <p14:creationId xmlns:p14="http://schemas.microsoft.com/office/powerpoint/2010/main" val="479176777"/>
       </p:ext>
     </p:extLst>
   </p:cSld>
@@ -4364,7 +4839,7 @@
           <p:cNvPr id="2" name="Title 1">
             <a:extLst>
               <a:ext uri="{FF2B5EF4-FFF2-40B4-BE49-F238E27FC236}">
-                <a16:creationId xmlns:a16="http://schemas.microsoft.com/office/drawing/2014/main" id="{6E3D9127-15C6-60EF-8159-BA484CC1B617}"/>
+                <a16:creationId xmlns:a16="http://schemas.microsoft.com/office/drawing/2014/main" id="{FFDC1348-A666-1364-5437-C445452A48ED}"/>
               </a:ext>
             </a:extLst>
           </p:cNvPr>
@@ -4382,25 +4857,25 @@
           <a:p>
             <a:r>
               <a:rPr lang="en-US" dirty="0"/>
-              <a:t>Model Selection</a:t>
-            </a:r>
-          </a:p>
-        </p:txBody>
-      </p:sp>
-      <p:sp>
-        <p:nvSpPr>
-          <p:cNvPr id="12" name="Content Placeholder 11">
-            <a:extLst>
-              <a:ext uri="{FF2B5EF4-FFF2-40B4-BE49-F238E27FC236}">
-                <a16:creationId xmlns:a16="http://schemas.microsoft.com/office/drawing/2014/main" id="{12DE5DF5-CFB2-9D21-166E-7777AF7B2089}"/>
-              </a:ext>
-            </a:extLst>
-          </p:cNvPr>
-          <p:cNvSpPr>
-            <a:spLocks noGrp="1"/>
-          </p:cNvSpPr>
-          <p:nvPr>
-            <p:ph idx="1"/>
+              <a:t>Modelling Approach</a:t>
+            </a:r>
+          </a:p>
+        </p:txBody>
+      </p:sp>
+      <p:sp>
+        <p:nvSpPr>
+          <p:cNvPr id="3" name="Text Placeholder 2">
+            <a:extLst>
+              <a:ext uri="{FF2B5EF4-FFF2-40B4-BE49-F238E27FC236}">
+                <a16:creationId xmlns:a16="http://schemas.microsoft.com/office/drawing/2014/main" id="{ACE9550D-1A17-2C3D-999A-CC7A1726E5B1}"/>
+              </a:ext>
+            </a:extLst>
+          </p:cNvPr>
+          <p:cNvSpPr>
+            <a:spLocks noGrp="1"/>
+          </p:cNvSpPr>
+          <p:nvPr>
+            <p:ph type="body" idx="1"/>
           </p:nvPr>
         </p:nvSpPr>
         <p:spPr/>
@@ -4408,17 +4883,14 @@
           <a:bodyPr/>
           <a:lstStyle/>
           <a:p>
-            <a:r>
-              <a:rPr lang="en-US" dirty="0"/>
-              <a:t>A slide with buzz words of anomaly detection techniques that we can quickly skip and come to a clear explanation why we chose our models</a:t>
-            </a:r>
+            <a:endParaRPr lang="en-US"/>
           </a:p>
         </p:txBody>
       </p:sp>
     </p:spTree>
     <p:extLst>
       <p:ext uri="{BB962C8B-B14F-4D97-AF65-F5344CB8AC3E}">
-        <p14:creationId xmlns:p14="http://schemas.microsoft.com/office/powerpoint/2010/main" val="816213782"/>
+        <p14:creationId xmlns:p14="http://schemas.microsoft.com/office/powerpoint/2010/main" val="3546789680"/>
       </p:ext>
     </p:extLst>
   </p:cSld>
@@ -4475,261 +4947,28 @@
       </p:sp>
       <p:sp>
         <p:nvSpPr>
-          <p:cNvPr id="3" name="Rectangle 2">
-            <a:extLst>
-              <a:ext uri="{FF2B5EF4-FFF2-40B4-BE49-F238E27FC236}">
-                <a16:creationId xmlns:a16="http://schemas.microsoft.com/office/drawing/2014/main" id="{C08F2743-8A3F-B65D-77D5-840E413219C5}"/>
-              </a:ext>
-            </a:extLst>
-          </p:cNvPr>
-          <p:cNvSpPr/>
-          <p:nvPr/>
-        </p:nvSpPr>
-        <p:spPr>
-          <a:xfrm>
-            <a:off x="1250837" y="1941737"/>
-            <a:ext cx="1928812" cy="1914525"/>
-          </a:xfrm>
-          <a:prstGeom prst="rect">
-            <a:avLst/>
-          </a:prstGeom>
-        </p:spPr>
-        <p:style>
-          <a:lnRef idx="2">
-            <a:schemeClr val="accent1">
-              <a:shade val="15000"/>
-            </a:schemeClr>
-          </a:lnRef>
-          <a:fillRef idx="1">
-            <a:schemeClr val="accent1"/>
-          </a:fillRef>
-          <a:effectRef idx="0">
-            <a:schemeClr val="accent1"/>
-          </a:effectRef>
-          <a:fontRef idx="minor">
-            <a:schemeClr val="lt1"/>
-          </a:fontRef>
-        </p:style>
-        <p:txBody>
-          <a:bodyPr rtlCol="0" anchor="ctr"/>
-          <a:lstStyle/>
-          <a:p>
-            <a:pPr algn="ctr"/>
-            <a:endParaRPr lang="en-US"/>
-          </a:p>
-        </p:txBody>
-      </p:sp>
-      <p:sp>
-        <p:nvSpPr>
-          <p:cNvPr id="4" name="Rectangle 3">
-            <a:extLst>
-              <a:ext uri="{FF2B5EF4-FFF2-40B4-BE49-F238E27FC236}">
-                <a16:creationId xmlns:a16="http://schemas.microsoft.com/office/drawing/2014/main" id="{C981DB0E-2410-6342-1B97-29ACE4E3762B}"/>
-              </a:ext>
-            </a:extLst>
-          </p:cNvPr>
-          <p:cNvSpPr/>
-          <p:nvPr/>
-        </p:nvSpPr>
-        <p:spPr>
-          <a:xfrm>
-            <a:off x="9012351" y="1941737"/>
-            <a:ext cx="1928812" cy="1914525"/>
-          </a:xfrm>
-          <a:prstGeom prst="rect">
-            <a:avLst/>
-          </a:prstGeom>
-        </p:spPr>
-        <p:style>
-          <a:lnRef idx="2">
-            <a:schemeClr val="accent1">
-              <a:shade val="15000"/>
-            </a:schemeClr>
-          </a:lnRef>
-          <a:fillRef idx="1">
-            <a:schemeClr val="accent1"/>
-          </a:fillRef>
-          <a:effectRef idx="0">
-            <a:schemeClr val="accent1"/>
-          </a:effectRef>
-          <a:fontRef idx="minor">
-            <a:schemeClr val="lt1"/>
-          </a:fontRef>
-        </p:style>
-        <p:txBody>
-          <a:bodyPr rtlCol="0" anchor="ctr"/>
-          <a:lstStyle/>
-          <a:p>
-            <a:pPr algn="ctr"/>
-            <a:endParaRPr lang="en-US"/>
-          </a:p>
-        </p:txBody>
-      </p:sp>
-      <p:sp>
-        <p:nvSpPr>
-          <p:cNvPr id="5" name="Rectangle 4">
-            <a:extLst>
-              <a:ext uri="{FF2B5EF4-FFF2-40B4-BE49-F238E27FC236}">
-                <a16:creationId xmlns:a16="http://schemas.microsoft.com/office/drawing/2014/main" id="{F2CD1F5A-B2CD-F560-7B76-E108A4DECF53}"/>
-              </a:ext>
-            </a:extLst>
-          </p:cNvPr>
-          <p:cNvSpPr/>
-          <p:nvPr/>
-        </p:nvSpPr>
-        <p:spPr>
-          <a:xfrm>
-            <a:off x="5131594" y="1941737"/>
-            <a:ext cx="1928812" cy="1914525"/>
-          </a:xfrm>
-          <a:prstGeom prst="rect">
-            <a:avLst/>
-          </a:prstGeom>
-        </p:spPr>
-        <p:style>
-          <a:lnRef idx="2">
-            <a:schemeClr val="accent1">
-              <a:shade val="15000"/>
-            </a:schemeClr>
-          </a:lnRef>
-          <a:fillRef idx="1">
-            <a:schemeClr val="accent1"/>
-          </a:fillRef>
-          <a:effectRef idx="0">
-            <a:schemeClr val="accent1"/>
-          </a:effectRef>
-          <a:fontRef idx="minor">
-            <a:schemeClr val="lt1"/>
-          </a:fontRef>
-        </p:style>
-        <p:txBody>
-          <a:bodyPr rtlCol="0" anchor="ctr"/>
-          <a:lstStyle/>
-          <a:p>
-            <a:pPr algn="ctr"/>
-            <a:endParaRPr lang="en-US"/>
-          </a:p>
-        </p:txBody>
-      </p:sp>
-      <p:sp>
-        <p:nvSpPr>
-          <p:cNvPr id="9" name="TextBox 8">
-            <a:extLst>
-              <a:ext uri="{FF2B5EF4-FFF2-40B4-BE49-F238E27FC236}">
-                <a16:creationId xmlns:a16="http://schemas.microsoft.com/office/drawing/2014/main" id="{E47A42C8-AC91-09C2-976D-47FBE9E08EF7}"/>
-              </a:ext>
-            </a:extLst>
-          </p:cNvPr>
-          <p:cNvSpPr txBox="1"/>
-          <p:nvPr/>
-        </p:nvSpPr>
-        <p:spPr>
-          <a:xfrm>
-            <a:off x="664029" y="4245428"/>
-            <a:ext cx="3102428" cy="369332"/>
-          </a:xfrm>
-          <a:prstGeom prst="rect">
-            <a:avLst/>
-          </a:prstGeom>
-          <a:noFill/>
-          <a:ln>
-            <a:solidFill>
-              <a:schemeClr val="tx1"/>
-            </a:solidFill>
-          </a:ln>
-        </p:spPr>
-        <p:txBody>
-          <a:bodyPr wrap="square" rtlCol="0">
-            <a:spAutoFit/>
-          </a:bodyPr>
-          <a:lstStyle/>
-          <a:p>
-            <a:pPr algn="ctr"/>
+          <p:cNvPr id="12" name="Content Placeholder 11">
+            <a:extLst>
+              <a:ext uri="{FF2B5EF4-FFF2-40B4-BE49-F238E27FC236}">
+                <a16:creationId xmlns:a16="http://schemas.microsoft.com/office/drawing/2014/main" id="{12DE5DF5-CFB2-9D21-166E-7777AF7B2089}"/>
+              </a:ext>
+            </a:extLst>
+          </p:cNvPr>
+          <p:cNvSpPr>
+            <a:spLocks noGrp="1"/>
+          </p:cNvSpPr>
+          <p:nvPr>
+            <p:ph idx="1"/>
+          </p:nvPr>
+        </p:nvSpPr>
+        <p:spPr/>
+        <p:txBody>
+          <a:bodyPr/>
+          <a:lstStyle/>
+          <a:p>
             <a:r>
               <a:rPr lang="en-US" dirty="0"/>
-              <a:t>Baseline</a:t>
-            </a:r>
-          </a:p>
-        </p:txBody>
-      </p:sp>
-      <p:sp>
-        <p:nvSpPr>
-          <p:cNvPr id="10" name="TextBox 9">
-            <a:extLst>
-              <a:ext uri="{FF2B5EF4-FFF2-40B4-BE49-F238E27FC236}">
-                <a16:creationId xmlns:a16="http://schemas.microsoft.com/office/drawing/2014/main" id="{2B900E16-D530-7F09-237A-22D3DE9EDC63}"/>
-              </a:ext>
-            </a:extLst>
-          </p:cNvPr>
-          <p:cNvSpPr txBox="1"/>
-          <p:nvPr/>
-        </p:nvSpPr>
-        <p:spPr>
-          <a:xfrm>
-            <a:off x="4544786" y="4245428"/>
-            <a:ext cx="3102428" cy="369332"/>
-          </a:xfrm>
-          <a:prstGeom prst="rect">
-            <a:avLst/>
-          </a:prstGeom>
-          <a:noFill/>
-          <a:ln>
-            <a:solidFill>
-              <a:schemeClr val="tx1"/>
-            </a:solidFill>
-          </a:ln>
-        </p:spPr>
-        <p:txBody>
-          <a:bodyPr wrap="square" rtlCol="0">
-            <a:spAutoFit/>
-          </a:bodyPr>
-          <a:lstStyle/>
-          <a:p>
-            <a:pPr algn="ctr"/>
-            <a:r>
-              <a:rPr lang="en-US" dirty="0"/>
-              <a:t>K-Means w/ Surrogate</a:t>
-            </a:r>
-          </a:p>
-        </p:txBody>
-      </p:sp>
-      <p:sp>
-        <p:nvSpPr>
-          <p:cNvPr id="11" name="TextBox 10">
-            <a:extLst>
-              <a:ext uri="{FF2B5EF4-FFF2-40B4-BE49-F238E27FC236}">
-                <a16:creationId xmlns:a16="http://schemas.microsoft.com/office/drawing/2014/main" id="{6BCC6220-6F4A-A22D-68C7-5741323F9E1C}"/>
-              </a:ext>
-            </a:extLst>
-          </p:cNvPr>
-          <p:cNvSpPr txBox="1"/>
-          <p:nvPr/>
-        </p:nvSpPr>
-        <p:spPr>
-          <a:xfrm>
-            <a:off x="8425543" y="4245428"/>
-            <a:ext cx="3102428" cy="369332"/>
-          </a:xfrm>
-          <a:prstGeom prst="rect">
-            <a:avLst/>
-          </a:prstGeom>
-          <a:noFill/>
-          <a:ln>
-            <a:solidFill>
-              <a:schemeClr val="tx1"/>
-            </a:solidFill>
-          </a:ln>
-        </p:spPr>
-        <p:txBody>
-          <a:bodyPr wrap="square" rtlCol="0">
-            <a:spAutoFit/>
-          </a:bodyPr>
-          <a:lstStyle/>
-          <a:p>
-            <a:pPr algn="ctr"/>
-            <a:r>
-              <a:rPr lang="en-US" dirty="0"/>
-              <a:t>God’s Plan</a:t>
+              <a:t>A slide with buzz words of anomaly detection techniques that we can quickly skip and come to a clear explanation why we chose our models</a:t>
             </a:r>
           </a:p>
         </p:txBody>
@@ -4737,7 +4976,7 @@
     </p:spTree>
     <p:extLst>
       <p:ext uri="{BB962C8B-B14F-4D97-AF65-F5344CB8AC3E}">
-        <p14:creationId xmlns:p14="http://schemas.microsoft.com/office/powerpoint/2010/main" val="304615339"/>
+        <p14:creationId xmlns:p14="http://schemas.microsoft.com/office/powerpoint/2010/main" val="816213782"/>
       </p:ext>
     </p:extLst>
   </p:cSld>
@@ -4787,6 +5026,295 @@
           <a:p>
             <a:r>
               <a:rPr lang="en-US" dirty="0"/>
+              <a:t>Model Selection</a:t>
+            </a:r>
+          </a:p>
+        </p:txBody>
+      </p:sp>
+      <p:sp>
+        <p:nvSpPr>
+          <p:cNvPr id="9" name="TextBox 8">
+            <a:extLst>
+              <a:ext uri="{FF2B5EF4-FFF2-40B4-BE49-F238E27FC236}">
+                <a16:creationId xmlns:a16="http://schemas.microsoft.com/office/drawing/2014/main" id="{E47A42C8-AC91-09C2-976D-47FBE9E08EF7}"/>
+              </a:ext>
+            </a:extLst>
+          </p:cNvPr>
+          <p:cNvSpPr txBox="1"/>
+          <p:nvPr/>
+        </p:nvSpPr>
+        <p:spPr>
+          <a:xfrm>
+            <a:off x="664029" y="4245428"/>
+            <a:ext cx="3102428" cy="369332"/>
+          </a:xfrm>
+          <a:prstGeom prst="rect">
+            <a:avLst/>
+          </a:prstGeom>
+          <a:noFill/>
+          <a:ln>
+            <a:solidFill>
+              <a:schemeClr val="tx1"/>
+            </a:solidFill>
+          </a:ln>
+        </p:spPr>
+        <p:txBody>
+          <a:bodyPr wrap="square" rtlCol="0">
+            <a:spAutoFit/>
+          </a:bodyPr>
+          <a:lstStyle/>
+          <a:p>
+            <a:pPr algn="ctr"/>
+            <a:r>
+              <a:rPr lang="en-US" dirty="0"/>
+              <a:t>Baseline</a:t>
+            </a:r>
+          </a:p>
+        </p:txBody>
+      </p:sp>
+      <p:sp>
+        <p:nvSpPr>
+          <p:cNvPr id="10" name="TextBox 9">
+            <a:extLst>
+              <a:ext uri="{FF2B5EF4-FFF2-40B4-BE49-F238E27FC236}">
+                <a16:creationId xmlns:a16="http://schemas.microsoft.com/office/drawing/2014/main" id="{2B900E16-D530-7F09-237A-22D3DE9EDC63}"/>
+              </a:ext>
+            </a:extLst>
+          </p:cNvPr>
+          <p:cNvSpPr txBox="1"/>
+          <p:nvPr/>
+        </p:nvSpPr>
+        <p:spPr>
+          <a:xfrm>
+            <a:off x="4544786" y="4245428"/>
+            <a:ext cx="3102428" cy="369332"/>
+          </a:xfrm>
+          <a:prstGeom prst="rect">
+            <a:avLst/>
+          </a:prstGeom>
+          <a:noFill/>
+          <a:ln>
+            <a:solidFill>
+              <a:schemeClr val="tx1"/>
+            </a:solidFill>
+          </a:ln>
+        </p:spPr>
+        <p:txBody>
+          <a:bodyPr wrap="square" rtlCol="0">
+            <a:spAutoFit/>
+          </a:bodyPr>
+          <a:lstStyle/>
+          <a:p>
+            <a:pPr algn="ctr"/>
+            <a:r>
+              <a:rPr lang="en-US" dirty="0"/>
+              <a:t>K-Means w/ Surrogate</a:t>
+            </a:r>
+          </a:p>
+        </p:txBody>
+      </p:sp>
+      <p:sp>
+        <p:nvSpPr>
+          <p:cNvPr id="11" name="TextBox 10">
+            <a:extLst>
+              <a:ext uri="{FF2B5EF4-FFF2-40B4-BE49-F238E27FC236}">
+                <a16:creationId xmlns:a16="http://schemas.microsoft.com/office/drawing/2014/main" id="{6BCC6220-6F4A-A22D-68C7-5741323F9E1C}"/>
+              </a:ext>
+            </a:extLst>
+          </p:cNvPr>
+          <p:cNvSpPr txBox="1"/>
+          <p:nvPr/>
+        </p:nvSpPr>
+        <p:spPr>
+          <a:xfrm>
+            <a:off x="8425543" y="4245428"/>
+            <a:ext cx="3102428" cy="369332"/>
+          </a:xfrm>
+          <a:prstGeom prst="rect">
+            <a:avLst/>
+          </a:prstGeom>
+          <a:noFill/>
+          <a:ln>
+            <a:solidFill>
+              <a:schemeClr val="tx1"/>
+            </a:solidFill>
+          </a:ln>
+        </p:spPr>
+        <p:txBody>
+          <a:bodyPr wrap="square" rtlCol="0">
+            <a:spAutoFit/>
+          </a:bodyPr>
+          <a:lstStyle/>
+          <a:p>
+            <a:pPr algn="ctr"/>
+            <a:r>
+              <a:rPr lang="en-US" dirty="0"/>
+              <a:t>God’s Plan</a:t>
+            </a:r>
+          </a:p>
+        </p:txBody>
+      </p:sp>
+      <p:sp>
+        <p:nvSpPr>
+          <p:cNvPr id="6" name="TextBox 5">
+            <a:extLst>
+              <a:ext uri="{FF2B5EF4-FFF2-40B4-BE49-F238E27FC236}">
+                <a16:creationId xmlns:a16="http://schemas.microsoft.com/office/drawing/2014/main" id="{7349F83B-9FD3-7AAA-F532-6C44048EA131}"/>
+              </a:ext>
+            </a:extLst>
+          </p:cNvPr>
+          <p:cNvSpPr txBox="1"/>
+          <p:nvPr/>
+        </p:nvSpPr>
+        <p:spPr>
+          <a:xfrm>
+            <a:off x="9474313" y="2152450"/>
+            <a:ext cx="1004888" cy="1631216"/>
+          </a:xfrm>
+          <a:prstGeom prst="rect">
+            <a:avLst/>
+          </a:prstGeom>
+          <a:noFill/>
+        </p:spPr>
+        <p:txBody>
+          <a:bodyPr wrap="square" rtlCol="0">
+            <a:spAutoFit/>
+          </a:bodyPr>
+          <a:lstStyle/>
+          <a:p>
+            <a:pPr algn="ctr"/>
+            <a:r>
+              <a:rPr lang="en-US" sz="10000" dirty="0"/>
+              <a:t>3</a:t>
+            </a:r>
+          </a:p>
+        </p:txBody>
+      </p:sp>
+      <p:sp>
+        <p:nvSpPr>
+          <p:cNvPr id="7" name="TextBox 6">
+            <a:extLst>
+              <a:ext uri="{FF2B5EF4-FFF2-40B4-BE49-F238E27FC236}">
+                <a16:creationId xmlns:a16="http://schemas.microsoft.com/office/drawing/2014/main" id="{52DBF8FB-2A84-D378-38EA-A10458B1B0DD}"/>
+              </a:ext>
+            </a:extLst>
+          </p:cNvPr>
+          <p:cNvSpPr txBox="1"/>
+          <p:nvPr/>
+        </p:nvSpPr>
+        <p:spPr>
+          <a:xfrm>
+            <a:off x="1865199" y="2377446"/>
+            <a:ext cx="1004888" cy="1631216"/>
+          </a:xfrm>
+          <a:prstGeom prst="rect">
+            <a:avLst/>
+          </a:prstGeom>
+          <a:noFill/>
+        </p:spPr>
+        <p:txBody>
+          <a:bodyPr wrap="square" rtlCol="0">
+            <a:spAutoFit/>
+          </a:bodyPr>
+          <a:lstStyle/>
+          <a:p>
+            <a:pPr algn="ctr"/>
+            <a:r>
+              <a:rPr lang="en-US" sz="10000" dirty="0"/>
+              <a:t>1</a:t>
+            </a:r>
+          </a:p>
+        </p:txBody>
+      </p:sp>
+      <p:sp>
+        <p:nvSpPr>
+          <p:cNvPr id="8" name="TextBox 7">
+            <a:extLst>
+              <a:ext uri="{FF2B5EF4-FFF2-40B4-BE49-F238E27FC236}">
+                <a16:creationId xmlns:a16="http://schemas.microsoft.com/office/drawing/2014/main" id="{8CFBAEE9-31A0-03E7-9012-1FD439382CB2}"/>
+              </a:ext>
+            </a:extLst>
+          </p:cNvPr>
+          <p:cNvSpPr txBox="1"/>
+          <p:nvPr/>
+        </p:nvSpPr>
+        <p:spPr>
+          <a:xfrm>
+            <a:off x="5593556" y="2225046"/>
+            <a:ext cx="1004888" cy="1631216"/>
+          </a:xfrm>
+          <a:prstGeom prst="rect">
+            <a:avLst/>
+          </a:prstGeom>
+          <a:noFill/>
+        </p:spPr>
+        <p:txBody>
+          <a:bodyPr wrap="square" rtlCol="0">
+            <a:spAutoFit/>
+          </a:bodyPr>
+          <a:lstStyle/>
+          <a:p>
+            <a:pPr algn="ctr"/>
+            <a:r>
+              <a:rPr lang="en-US" sz="10000" dirty="0"/>
+              <a:t>2</a:t>
+            </a:r>
+          </a:p>
+        </p:txBody>
+      </p:sp>
+    </p:spTree>
+    <p:extLst>
+      <p:ext uri="{BB962C8B-B14F-4D97-AF65-F5344CB8AC3E}">
+        <p14:creationId xmlns:p14="http://schemas.microsoft.com/office/powerpoint/2010/main" val="304615339"/>
+      </p:ext>
+    </p:extLst>
+  </p:cSld>
+  <p:clrMapOvr>
+    <a:masterClrMapping/>
+  </p:clrMapOvr>
+</p:sld>
+</file>
+
+<file path=ppt/slides/slide8.xml><?xml version="1.0" encoding="utf-8"?>
+<p:sld xmlns:a="http://schemas.openxmlformats.org/drawingml/2006/main" xmlns:r="http://schemas.openxmlformats.org/officeDocument/2006/relationships" xmlns:p="http://schemas.openxmlformats.org/presentationml/2006/main" show="0">
+  <p:cSld>
+    <p:spTree>
+      <p:nvGrpSpPr>
+        <p:cNvPr id="1" name=""/>
+        <p:cNvGrpSpPr/>
+        <p:nvPr/>
+      </p:nvGrpSpPr>
+      <p:grpSpPr>
+        <a:xfrm>
+          <a:off x="0" y="0"/>
+          <a:ext cx="0" cy="0"/>
+          <a:chOff x="0" y="0"/>
+          <a:chExt cx="0" cy="0"/>
+        </a:xfrm>
+      </p:grpSpPr>
+      <p:sp>
+        <p:nvSpPr>
+          <p:cNvPr id="2" name="Title 1">
+            <a:extLst>
+              <a:ext uri="{FF2B5EF4-FFF2-40B4-BE49-F238E27FC236}">
+                <a16:creationId xmlns:a16="http://schemas.microsoft.com/office/drawing/2014/main" id="{6E3D9127-15C6-60EF-8159-BA484CC1B617}"/>
+              </a:ext>
+            </a:extLst>
+          </p:cNvPr>
+          <p:cNvSpPr>
+            <a:spLocks noGrp="1"/>
+          </p:cNvSpPr>
+          <p:nvPr>
+            <p:ph type="title"/>
+          </p:nvPr>
+        </p:nvSpPr>
+        <p:spPr/>
+        <p:txBody>
+          <a:bodyPr/>
+          <a:lstStyle/>
+          <a:p>
+            <a:r>
+              <a:rPr lang="en-US" dirty="0"/>
               <a:t>Baseline Model</a:t>
             </a:r>
           </a:p>
@@ -4941,8 +5469,8 @@
 </p:sld>
 </file>
 
-<file path=ppt/slides/slide8.xml><?xml version="1.0" encoding="utf-8"?>
-<p:sld xmlns:a="http://schemas.openxmlformats.org/drawingml/2006/main" xmlns:r="http://schemas.openxmlformats.org/officeDocument/2006/relationships" xmlns:p="http://schemas.openxmlformats.org/presentationml/2006/main">
+<file path=ppt/slides/slide9.xml><?xml version="1.0" encoding="utf-8"?>
+<p:sld xmlns:a="http://schemas.openxmlformats.org/drawingml/2006/main" xmlns:r="http://schemas.openxmlformats.org/officeDocument/2006/relationships" xmlns:p="http://schemas.openxmlformats.org/presentationml/2006/main" show="0">
   <p:cSld>
     <p:spTree>
       <p:nvGrpSpPr>
@@ -5126,200 +5654,6 @@
     <p:extLst>
       <p:ext uri="{BB962C8B-B14F-4D97-AF65-F5344CB8AC3E}">
         <p14:creationId xmlns:p14="http://schemas.microsoft.com/office/powerpoint/2010/main" val="3549092333"/>
-      </p:ext>
-    </p:extLst>
-  </p:cSld>
-  <p:clrMapOvr>
-    <a:masterClrMapping/>
-  </p:clrMapOvr>
-</p:sld>
-</file>
-
-<file path=ppt/slides/slide9.xml><?xml version="1.0" encoding="utf-8"?>
-<p:sld xmlns:a="http://schemas.openxmlformats.org/drawingml/2006/main" xmlns:r="http://schemas.openxmlformats.org/officeDocument/2006/relationships" xmlns:p="http://schemas.openxmlformats.org/presentationml/2006/main">
-  <p:cSld>
-    <p:spTree>
-      <p:nvGrpSpPr>
-        <p:cNvPr id="1" name=""/>
-        <p:cNvGrpSpPr/>
-        <p:nvPr/>
-      </p:nvGrpSpPr>
-      <p:grpSpPr>
-        <a:xfrm>
-          <a:off x="0" y="0"/>
-          <a:ext cx="0" cy="0"/>
-          <a:chOff x="0" y="0"/>
-          <a:chExt cx="0" cy="0"/>
-        </a:xfrm>
-      </p:grpSpPr>
-      <p:sp>
-        <p:nvSpPr>
-          <p:cNvPr id="2" name="Title 1">
-            <a:extLst>
-              <a:ext uri="{FF2B5EF4-FFF2-40B4-BE49-F238E27FC236}">
-                <a16:creationId xmlns:a16="http://schemas.microsoft.com/office/drawing/2014/main" id="{6E3D9127-15C6-60EF-8159-BA484CC1B617}"/>
-              </a:ext>
-            </a:extLst>
-          </p:cNvPr>
-          <p:cNvSpPr>
-            <a:spLocks noGrp="1"/>
-          </p:cNvSpPr>
-          <p:nvPr>
-            <p:ph type="title"/>
-          </p:nvPr>
-        </p:nvSpPr>
-        <p:spPr/>
-        <p:txBody>
-          <a:bodyPr/>
-          <a:lstStyle/>
-          <a:p>
-            <a:r>
-              <a:rPr lang="en-US" dirty="0"/>
-              <a:t>3rd Model</a:t>
-            </a:r>
-          </a:p>
-        </p:txBody>
-      </p:sp>
-      <p:sp>
-        <p:nvSpPr>
-          <p:cNvPr id="6" name="Rectangle 5">
-            <a:extLst>
-              <a:ext uri="{FF2B5EF4-FFF2-40B4-BE49-F238E27FC236}">
-                <a16:creationId xmlns:a16="http://schemas.microsoft.com/office/drawing/2014/main" id="{A574E311-23BE-EEFB-1397-8935E9E34502}"/>
-              </a:ext>
-            </a:extLst>
-          </p:cNvPr>
-          <p:cNvSpPr/>
-          <p:nvPr/>
-        </p:nvSpPr>
-        <p:spPr>
-          <a:xfrm>
-            <a:off x="838200" y="2614582"/>
-            <a:ext cx="1928812" cy="1914525"/>
-          </a:xfrm>
-          <a:prstGeom prst="rect">
-            <a:avLst/>
-          </a:prstGeom>
-        </p:spPr>
-        <p:style>
-          <a:lnRef idx="2">
-            <a:schemeClr val="accent1">
-              <a:shade val="15000"/>
-            </a:schemeClr>
-          </a:lnRef>
-          <a:fillRef idx="1">
-            <a:schemeClr val="accent1"/>
-          </a:fillRef>
-          <a:effectRef idx="0">
-            <a:schemeClr val="accent1"/>
-          </a:effectRef>
-          <a:fontRef idx="minor">
-            <a:schemeClr val="lt1"/>
-          </a:fontRef>
-        </p:style>
-        <p:txBody>
-          <a:bodyPr rtlCol="0" anchor="ctr"/>
-          <a:lstStyle/>
-          <a:p>
-            <a:pPr algn="ctr"/>
-            <a:endParaRPr lang="en-US"/>
-          </a:p>
-        </p:txBody>
-      </p:sp>
-      <p:sp>
-        <p:nvSpPr>
-          <p:cNvPr id="8" name="TextBox 7">
-            <a:extLst>
-              <a:ext uri="{FF2B5EF4-FFF2-40B4-BE49-F238E27FC236}">
-                <a16:creationId xmlns:a16="http://schemas.microsoft.com/office/drawing/2014/main" id="{1B991D48-05F7-EA8E-EFF0-23B3533DE51D}"/>
-              </a:ext>
-            </a:extLst>
-          </p:cNvPr>
-          <p:cNvSpPr txBox="1"/>
-          <p:nvPr/>
-        </p:nvSpPr>
-        <p:spPr>
-          <a:xfrm>
-            <a:off x="3374571" y="1690688"/>
-            <a:ext cx="7837713" cy="4524315"/>
-          </a:xfrm>
-          <a:prstGeom prst="rect">
-            <a:avLst/>
-          </a:prstGeom>
-          <a:noFill/>
-          <a:ln>
-            <a:solidFill>
-              <a:schemeClr val="tx1"/>
-            </a:solidFill>
-          </a:ln>
-        </p:spPr>
-        <p:txBody>
-          <a:bodyPr wrap="square" rtlCol="0">
-            <a:spAutoFit/>
-          </a:bodyPr>
-          <a:lstStyle/>
-          <a:p>
-            <a:r>
-              <a:rPr lang="en-US" dirty="0"/>
-              <a:t>Provide a </a:t>
-            </a:r>
-            <a:r>
-              <a:rPr lang="en-US" b="1" dirty="0"/>
-              <a:t>compelling justification</a:t>
-            </a:r>
-            <a:r>
-              <a:rPr lang="en-US" dirty="0"/>
-              <a:t> for each model selected, emphasizing how they align with the objectives of the challenge. </a:t>
-            </a:r>
-          </a:p>
-          <a:p>
-            <a:endParaRPr lang="en-US" dirty="0"/>
-          </a:p>
-          <a:p>
-            <a:endParaRPr lang="en-US" dirty="0"/>
-          </a:p>
-          <a:p>
-            <a:endParaRPr lang="en-US" dirty="0"/>
-          </a:p>
-          <a:p>
-            <a:endParaRPr lang="en-US" dirty="0"/>
-          </a:p>
-          <a:p>
-            <a:endParaRPr lang="en-US" dirty="0"/>
-          </a:p>
-          <a:p>
-            <a:endParaRPr lang="en-US" dirty="0"/>
-          </a:p>
-          <a:p>
-            <a:endParaRPr lang="en-US" dirty="0"/>
-          </a:p>
-          <a:p>
-            <a:endParaRPr lang="en-US" dirty="0"/>
-          </a:p>
-          <a:p>
-            <a:endParaRPr lang="en-US" dirty="0"/>
-          </a:p>
-          <a:p>
-            <a:endParaRPr lang="en-US" dirty="0"/>
-          </a:p>
-          <a:p>
-            <a:endParaRPr lang="en-US" dirty="0"/>
-          </a:p>
-          <a:p>
-            <a:endParaRPr lang="en-US" dirty="0"/>
-          </a:p>
-          <a:p>
-            <a:endParaRPr lang="en-US" dirty="0"/>
-          </a:p>
-          <a:p>
-            <a:endParaRPr lang="en-US" dirty="0"/>
-          </a:p>
-        </p:txBody>
-      </p:sp>
-    </p:spTree>
-    <p:extLst>
-      <p:ext uri="{BB962C8B-B14F-4D97-AF65-F5344CB8AC3E}">
-        <p14:creationId xmlns:p14="http://schemas.microsoft.com/office/powerpoint/2010/main" val="3993994161"/>
       </p:ext>
     </p:extLst>
   </p:cSld>

--- a/docs/GroupPresentation.pptx
+++ b/docs/GroupPresentation.pptx
@@ -3751,9 +3751,10 @@
           <a:lstStyle/>
           <a:p>
             <a:r>
-              <a:rPr lang="en-US" dirty="0"/>
-              <a:t>Model Selection</a:t>
-            </a:r>
+              <a:rPr lang="en-US"/>
+              <a:t>Model Enhancement</a:t>
+            </a:r>
+            <a:endParaRPr lang="en-US" dirty="0"/>
           </a:p>
         </p:txBody>
       </p:sp>
@@ -3771,7 +3772,7 @@
         </p:nvSpPr>
         <p:spPr>
           <a:xfrm>
-            <a:off x="664029" y="4245428"/>
+            <a:off x="449716" y="4233755"/>
             <a:ext cx="3102428" cy="923330"/>
           </a:xfrm>
           <a:prstGeom prst="rect">
@@ -4073,7 +4074,7 @@
           <a:lstStyle/>
           <a:p>
             <a:r>
-              <a:rPr lang="en-US"/>
+              <a:rPr lang="en-US" dirty="0"/>
               <a:t>Actionable Insights</a:t>
             </a:r>
           </a:p>
